--- a/000_Framework/init_slice.pptx
+++ b/000_Framework/init_slice.pptx
@@ -442,7 +442,7 @@
                 <a:cs typeface="Arial"/>
               </a:rPr>
               <a:pPr/>
-              <a:t>6/12/2017</a:t>
+              <a:t>7/5/2017</a:t>
             </a:fld>
             <a:endParaRPr lang="en-US" dirty="0">
               <a:latin typeface="Gill Sans MT" panose="020B0502020104020203" pitchFamily="34" charset="0"/>
@@ -625,7 +625,7 @@
             <a:fld id="{274027C9-984B-6640-B41D-3E13A59B7426}" type="datetimeFigureOut">
               <a:rPr lang="en-US" smtClean="0"/>
               <a:pPr/>
-              <a:t>6/12/2017</a:t>
+              <a:t>7/5/2017</a:t>
             </a:fld>
             <a:endParaRPr lang="en-US" dirty="0"/>
           </a:p>
@@ -6896,7 +6896,7 @@
             <a:fld id="{92757423-57D8-4E11-93BA-DE26DE29D5C8}" type="datetimeFigureOut">
               <a:rPr lang="zh-CN" altLang="en-US" smtClean="0"/>
               <a:pPr/>
-              <a:t>2017/6/12</a:t>
+              <a:t>2017/7/5</a:t>
             </a:fld>
             <a:endParaRPr lang="zh-CN" altLang="en-US"/>
           </a:p>
@@ -8496,7 +8496,7 @@
         </p:nvSpPr>
         <p:spPr>
           <a:xfrm>
-            <a:off x="384538" y="3830956"/>
+            <a:off x="209355" y="3831603"/>
             <a:ext cx="514603" cy="443864"/>
           </a:xfrm>
           <a:prstGeom prst="rect">
@@ -8546,7 +8546,7 @@
         </p:nvSpPr>
         <p:spPr>
           <a:xfrm>
-            <a:off x="358140" y="2872740"/>
+            <a:off x="182880" y="2872462"/>
             <a:ext cx="609307" cy="411480"/>
           </a:xfrm>
           <a:prstGeom prst="rect">
@@ -8590,415 +8590,28 @@
       </p:sp>
       <p:grpSp>
         <p:nvGrpSpPr>
-          <p:cNvPr id="141" name="Group 140"/>
+          <p:cNvPr id="149" name="Group 119"/>
           <p:cNvGrpSpPr/>
           <p:nvPr/>
         </p:nvGrpSpPr>
         <p:grpSpPr>
           <a:xfrm>
-            <a:off x="1069680" y="2869965"/>
-            <a:ext cx="2696107" cy="2905995"/>
-            <a:chOff x="994063" y="3228105"/>
-            <a:chExt cx="2602577" cy="2905995"/>
+            <a:off x="857860" y="3343573"/>
+            <a:ext cx="2237904" cy="495770"/>
+            <a:chOff x="324301" y="4015473"/>
+            <a:chExt cx="2160269" cy="341558"/>
           </a:xfrm>
         </p:grpSpPr>
-        <p:grpSp>
-          <p:nvGrpSpPr>
-            <p:cNvPr id="142" name="Group 133"/>
-            <p:cNvGrpSpPr/>
-            <p:nvPr/>
-          </p:nvGrpSpPr>
-          <p:grpSpPr>
-            <a:xfrm>
-              <a:off x="1004559" y="3701713"/>
-              <a:ext cx="2264421" cy="1944707"/>
-              <a:chOff x="1004559" y="3701713"/>
-              <a:chExt cx="2264421" cy="1944707"/>
-            </a:xfrm>
-          </p:grpSpPr>
-          <p:grpSp>
-            <p:nvGrpSpPr>
-              <p:cNvPr id="149" name="Group 119"/>
-              <p:cNvGrpSpPr/>
-              <p:nvPr/>
-            </p:nvGrpSpPr>
-            <p:grpSpPr>
-              <a:xfrm>
-                <a:off x="1012179" y="3701713"/>
-                <a:ext cx="2256801" cy="495770"/>
-                <a:chOff x="324301" y="4015473"/>
-                <a:chExt cx="2256801" cy="341558"/>
-              </a:xfrm>
-            </p:grpSpPr>
-            <p:sp>
-              <p:nvSpPr>
-                <p:cNvPr id="154" name="Rectangle 153"/>
-                <p:cNvSpPr/>
-                <p:nvPr/>
-              </p:nvSpPr>
-              <p:spPr>
-                <a:xfrm>
-                  <a:off x="324301" y="4015473"/>
-                  <a:ext cx="496751" cy="341558"/>
-                </a:xfrm>
-                <a:prstGeom prst="rect">
-                  <a:avLst/>
-                </a:prstGeom>
-              </p:spPr>
-              <p:style>
-                <a:lnRef idx="2">
-                  <a:schemeClr val="accent1">
-                    <a:shade val="50000"/>
-                  </a:schemeClr>
-                </a:lnRef>
-                <a:fillRef idx="1">
-                  <a:schemeClr val="accent1"/>
-                </a:fillRef>
-                <a:effectRef idx="0">
-                  <a:schemeClr val="accent1"/>
-                </a:effectRef>
-                <a:fontRef idx="minor">
-                  <a:schemeClr val="lt1"/>
-                </a:fontRef>
-              </p:style>
-              <p:txBody>
-                <a:bodyPr rtlCol="0" anchor="ctr"/>
-                <a:lstStyle/>
-                <a:p>
-                  <a:pPr algn="ctr"/>
-                  <a:r>
-                    <a:rPr lang="en-US" altLang="zh-CN" sz="900" b="1" dirty="0" smtClean="0"/>
-                    <a:t>Basic</a:t>
-                  </a:r>
-                </a:p>
-                <a:p>
-                  <a:pPr algn="ctr"/>
-                  <a:r>
-                    <a:rPr lang="en-US" altLang="zh-CN" sz="900" b="1" dirty="0" smtClean="0"/>
-                    <a:t>Cam</a:t>
-                  </a:r>
-                  <a:endParaRPr lang="zh-CN" altLang="en-US" sz="900" b="1" dirty="0"/>
-                </a:p>
-              </p:txBody>
-            </p:sp>
-            <p:sp>
-              <p:nvSpPr>
-                <p:cNvPr id="155" name="Rectangle 154"/>
-                <p:cNvSpPr/>
-                <p:nvPr/>
-              </p:nvSpPr>
-              <p:spPr>
-                <a:xfrm>
-                  <a:off x="875376" y="4017776"/>
-                  <a:ext cx="527049" cy="333386"/>
-                </a:xfrm>
-                <a:prstGeom prst="rect">
-                  <a:avLst/>
-                </a:prstGeom>
-              </p:spPr>
-              <p:style>
-                <a:lnRef idx="2">
-                  <a:schemeClr val="accent1">
-                    <a:shade val="50000"/>
-                  </a:schemeClr>
-                </a:lnRef>
-                <a:fillRef idx="1">
-                  <a:schemeClr val="accent1"/>
-                </a:fillRef>
-                <a:effectRef idx="0">
-                  <a:schemeClr val="accent1"/>
-                </a:effectRef>
-                <a:fontRef idx="minor">
-                  <a:schemeClr val="lt1"/>
-                </a:fontRef>
-              </p:style>
-              <p:txBody>
-                <a:bodyPr rtlCol="0" anchor="ctr"/>
-                <a:lstStyle/>
-                <a:p>
-                  <a:pPr algn="ctr"/>
-                  <a:r>
-                    <a:rPr lang="en-US" altLang="zh-CN" sz="900" b="1" dirty="0" smtClean="0"/>
-                    <a:t>Basic</a:t>
-                  </a:r>
-                </a:p>
-                <a:p>
-                  <a:pPr algn="ctr"/>
-                  <a:r>
-                    <a:rPr lang="en-US" altLang="zh-CN" sz="900" b="1" dirty="0" smtClean="0"/>
-                    <a:t>PDC</a:t>
-                  </a:r>
-                  <a:endParaRPr lang="zh-CN" altLang="en-US" sz="900" b="1" dirty="0"/>
-                </a:p>
-              </p:txBody>
-            </p:sp>
-            <p:sp>
-              <p:nvSpPr>
-                <p:cNvPr id="156" name="Rectangle 155"/>
-                <p:cNvSpPr/>
-                <p:nvPr/>
-              </p:nvSpPr>
-              <p:spPr>
-                <a:xfrm>
-                  <a:off x="1448096" y="4017290"/>
-                  <a:ext cx="515536" cy="333872"/>
-                </a:xfrm>
-                <a:prstGeom prst="rect">
-                  <a:avLst/>
-                </a:prstGeom>
-              </p:spPr>
-              <p:style>
-                <a:lnRef idx="2">
-                  <a:schemeClr val="accent1">
-                    <a:shade val="50000"/>
-                  </a:schemeClr>
-                </a:lnRef>
-                <a:fillRef idx="1">
-                  <a:schemeClr val="accent1"/>
-                </a:fillRef>
-                <a:effectRef idx="0">
-                  <a:schemeClr val="accent1"/>
-                </a:effectRef>
-                <a:fontRef idx="minor">
-                  <a:schemeClr val="lt1"/>
-                </a:fontRef>
-              </p:style>
-              <p:txBody>
-                <a:bodyPr rtlCol="0" anchor="ctr"/>
-                <a:lstStyle/>
-                <a:p>
-                  <a:pPr algn="ctr"/>
-                  <a:r>
-                    <a:rPr lang="en-US" altLang="zh-CN" sz="900" b="1" dirty="0" smtClean="0"/>
-                    <a:t>Basic</a:t>
-                  </a:r>
-                </a:p>
-                <a:p>
-                  <a:pPr algn="ctr"/>
-                  <a:r>
-                    <a:rPr lang="en-US" altLang="zh-CN" sz="900" b="1" dirty="0" smtClean="0"/>
-                    <a:t>PA</a:t>
-                  </a:r>
-                </a:p>
-              </p:txBody>
-            </p:sp>
-            <p:sp>
-              <p:nvSpPr>
-                <p:cNvPr id="157" name="Rectangle 156"/>
-                <p:cNvSpPr/>
-                <p:nvPr/>
-              </p:nvSpPr>
-              <p:spPr>
-                <a:xfrm>
-                  <a:off x="2030615" y="4016880"/>
-                  <a:ext cx="550487" cy="330431"/>
-                </a:xfrm>
-                <a:prstGeom prst="rect">
-                  <a:avLst/>
-                </a:prstGeom>
-              </p:spPr>
-              <p:style>
-                <a:lnRef idx="2">
-                  <a:schemeClr val="accent1">
-                    <a:shade val="50000"/>
-                  </a:schemeClr>
-                </a:lnRef>
-                <a:fillRef idx="1">
-                  <a:schemeClr val="accent1"/>
-                </a:fillRef>
-                <a:effectRef idx="0">
-                  <a:schemeClr val="accent1"/>
-                </a:effectRef>
-                <a:fontRef idx="minor">
-                  <a:schemeClr val="lt1"/>
-                </a:fontRef>
-              </p:style>
-              <p:txBody>
-                <a:bodyPr rtlCol="0" anchor="ctr"/>
-                <a:lstStyle/>
-                <a:p>
-                  <a:pPr algn="ctr"/>
-                  <a:r>
-                    <a:rPr lang="en-US" altLang="zh-CN" sz="900" b="1" dirty="0" smtClean="0"/>
-                    <a:t>Basic</a:t>
-                  </a:r>
-                </a:p>
-                <a:p>
-                  <a:pPr algn="ctr"/>
-                  <a:r>
-                    <a:rPr lang="en-US" altLang="zh-CN" sz="900" b="1" dirty="0" smtClean="0"/>
-                    <a:t>AVM</a:t>
-                  </a:r>
-                  <a:endParaRPr lang="zh-CN" altLang="en-US" sz="900" b="1" dirty="0"/>
-                </a:p>
-              </p:txBody>
-            </p:sp>
-          </p:grpSp>
-          <p:sp>
-            <p:nvSpPr>
-              <p:cNvPr id="150" name="Rectangle 149"/>
-              <p:cNvSpPr/>
-              <p:nvPr/>
-            </p:nvSpPr>
-            <p:spPr>
-              <a:xfrm>
-                <a:off x="1004559" y="4234816"/>
-                <a:ext cx="496751" cy="443864"/>
-              </a:xfrm>
-              <a:prstGeom prst="rect">
-                <a:avLst/>
-              </a:prstGeom>
-            </p:spPr>
-            <p:style>
-              <a:lnRef idx="2">
-                <a:schemeClr val="accent1">
-                  <a:shade val="50000"/>
-                </a:schemeClr>
-              </a:lnRef>
-              <a:fillRef idx="1">
-                <a:schemeClr val="accent1"/>
-              </a:fillRef>
-              <a:effectRef idx="0">
-                <a:schemeClr val="accent1"/>
-              </a:effectRef>
-              <a:fontRef idx="minor">
-                <a:schemeClr val="lt1"/>
-              </a:fontRef>
-            </p:style>
-            <p:txBody>
-              <a:bodyPr rtlCol="0" anchor="ctr"/>
-              <a:lstStyle/>
-              <a:p>
-                <a:pPr algn="ctr"/>
-                <a:r>
-                  <a:rPr lang="en-US" altLang="zh-CN" sz="900" b="1" dirty="0" smtClean="0"/>
-                  <a:t>Cam</a:t>
-                </a:r>
-              </a:p>
-              <a:p>
-                <a:pPr algn="ctr"/>
-                <a:r>
-                  <a:rPr lang="en-US" altLang="zh-CN" sz="900" b="1" dirty="0" smtClean="0"/>
-                  <a:t>Hub</a:t>
-                </a:r>
-                <a:endParaRPr lang="zh-CN" altLang="en-US" sz="900" b="1" dirty="0"/>
-              </a:p>
-            </p:txBody>
-          </p:sp>
-          <p:sp>
-            <p:nvSpPr>
-              <p:cNvPr id="151" name="Rectangle 150"/>
-              <p:cNvSpPr/>
-              <p:nvPr/>
-            </p:nvSpPr>
-            <p:spPr>
-              <a:xfrm>
-                <a:off x="1004559" y="4714876"/>
-                <a:ext cx="496751" cy="443864"/>
-              </a:xfrm>
-              <a:prstGeom prst="rect">
-                <a:avLst/>
-              </a:prstGeom>
-            </p:spPr>
-            <p:style>
-              <a:lnRef idx="2">
-                <a:schemeClr val="accent1">
-                  <a:shade val="50000"/>
-                </a:schemeClr>
-              </a:lnRef>
-              <a:fillRef idx="1">
-                <a:schemeClr val="accent1"/>
-              </a:fillRef>
-              <a:effectRef idx="0">
-                <a:schemeClr val="accent1"/>
-              </a:effectRef>
-              <a:fontRef idx="minor">
-                <a:schemeClr val="lt1"/>
-              </a:fontRef>
-            </p:style>
-            <p:txBody>
-              <a:bodyPr rtlCol="0" anchor="ctr"/>
-              <a:lstStyle/>
-              <a:p>
-                <a:pPr algn="ctr"/>
-                <a:r>
-                  <a:rPr lang="en-US" altLang="zh-CN" sz="900" b="1" dirty="0" smtClean="0"/>
-                  <a:t>Cam</a:t>
-                </a:r>
-              </a:p>
-              <a:p>
-                <a:pPr algn="ctr"/>
-                <a:r>
-                  <a:rPr lang="en-US" altLang="zh-CN" sz="900" b="1" dirty="0" smtClean="0"/>
-                  <a:t>State</a:t>
-                </a:r>
-                <a:endParaRPr lang="zh-CN" altLang="en-US" sz="900" b="1" dirty="0"/>
-              </a:p>
-            </p:txBody>
-          </p:sp>
-          <p:sp>
-            <p:nvSpPr>
-              <p:cNvPr id="152" name="Rectangle 151"/>
-              <p:cNvSpPr/>
-              <p:nvPr/>
-            </p:nvSpPr>
-            <p:spPr>
-              <a:xfrm>
-                <a:off x="1004559" y="5202556"/>
-                <a:ext cx="496751" cy="443864"/>
-              </a:xfrm>
-              <a:prstGeom prst="rect">
-                <a:avLst/>
-              </a:prstGeom>
-            </p:spPr>
-            <p:style>
-              <a:lnRef idx="2">
-                <a:schemeClr val="accent1">
-                  <a:shade val="50000"/>
-                </a:schemeClr>
-              </a:lnRef>
-              <a:fillRef idx="1">
-                <a:schemeClr val="accent1"/>
-              </a:fillRef>
-              <a:effectRef idx="0">
-                <a:schemeClr val="accent1"/>
-              </a:effectRef>
-              <a:fontRef idx="minor">
-                <a:schemeClr val="lt1"/>
-              </a:fontRef>
-            </p:style>
-            <p:txBody>
-              <a:bodyPr rtlCol="0" anchor="ctr"/>
-              <a:lstStyle/>
-              <a:p>
-                <a:pPr algn="ctr"/>
-                <a:r>
-                  <a:rPr lang="en-US" altLang="zh-CN" sz="900" b="1" dirty="0" err="1" smtClean="0"/>
-                  <a:t>Prio</a:t>
-                </a:r>
-                <a:endParaRPr lang="en-US" altLang="zh-CN" sz="900" b="1" dirty="0" smtClean="0"/>
-              </a:p>
-              <a:p>
-                <a:pPr algn="ctr"/>
-                <a:r>
-                  <a:rPr lang="en-US" altLang="zh-CN" sz="900" b="1" dirty="0" smtClean="0"/>
-                  <a:t>Ctrl</a:t>
-                </a:r>
-                <a:endParaRPr lang="zh-CN" altLang="en-US" sz="900" b="1" dirty="0"/>
-              </a:p>
-            </p:txBody>
-          </p:sp>
-        </p:grpSp>
         <p:sp>
           <p:nvSpPr>
-            <p:cNvPr id="143" name="Rectangle 142"/>
+            <p:cNvPr id="154" name="Rectangle 153"/>
             <p:cNvSpPr/>
             <p:nvPr/>
           </p:nvSpPr>
           <p:spPr>
             <a:xfrm>
-              <a:off x="994063" y="3228105"/>
-              <a:ext cx="2602577" cy="429495"/>
+              <a:off x="324301" y="4015473"/>
+              <a:ext cx="496751" cy="341558"/>
             </a:xfrm>
             <a:prstGeom prst="rect">
               <a:avLst/>
@@ -9027,235 +8640,29 @@
               <a:pPr algn="ctr"/>
               <a:r>
                 <a:rPr lang="en-US" altLang="zh-CN" sz="900" b="1" dirty="0" smtClean="0"/>
-                <a:t>ADAS Manager</a:t>
+                <a:t>Basic</a:t>
               </a:r>
-              <a:endParaRPr lang="zh-CN" altLang="en-US" sz="900" b="1" dirty="0"/>
+            </a:p>
+            <a:p>
+              <a:pPr algn="ctr"/>
+              <a:r>
+                <a:rPr lang="en-US" altLang="zh-CN" sz="900" b="1" dirty="0" smtClean="0"/>
+                <a:t>RVC/SVC</a:t>
+              </a:r>
+              <a:endParaRPr lang="en-US" altLang="zh-CN" sz="900" b="1" dirty="0" smtClean="0"/>
             </a:p>
           </p:txBody>
         </p:sp>
         <p:sp>
           <p:nvSpPr>
-            <p:cNvPr id="144" name="Rectangle 143"/>
+            <p:cNvPr id="155" name="Rectangle 154"/>
             <p:cNvSpPr/>
             <p:nvPr/>
           </p:nvSpPr>
           <p:spPr>
             <a:xfrm>
-              <a:off x="1560819" y="4234816"/>
-              <a:ext cx="496751" cy="443864"/>
-            </a:xfrm>
-            <a:prstGeom prst="rect">
-              <a:avLst/>
-            </a:prstGeom>
-          </p:spPr>
-          <p:style>
-            <a:lnRef idx="2">
-              <a:schemeClr val="accent1">
-                <a:shade val="50000"/>
-              </a:schemeClr>
-            </a:lnRef>
-            <a:fillRef idx="1">
-              <a:schemeClr val="accent1"/>
-            </a:fillRef>
-            <a:effectRef idx="0">
-              <a:schemeClr val="accent1"/>
-            </a:effectRef>
-            <a:fontRef idx="minor">
-              <a:schemeClr val="lt1"/>
-            </a:fontRef>
-          </p:style>
-          <p:txBody>
-            <a:bodyPr rtlCol="0" anchor="ctr"/>
-            <a:lstStyle/>
-            <a:p>
-              <a:pPr algn="ctr"/>
-              <a:r>
-                <a:rPr lang="en-US" altLang="zh-CN" sz="900" b="1" dirty="0" err="1" smtClean="0"/>
-                <a:t>Sns</a:t>
-              </a:r>
-              <a:endParaRPr lang="en-US" altLang="zh-CN" sz="900" b="1" dirty="0" smtClean="0"/>
-            </a:p>
-            <a:p>
-              <a:pPr algn="ctr"/>
-              <a:r>
-                <a:rPr lang="en-US" altLang="zh-CN" sz="900" b="1" dirty="0" smtClean="0"/>
-                <a:t>Hub</a:t>
-              </a:r>
-              <a:endParaRPr lang="zh-CN" altLang="en-US" sz="1050" b="1" dirty="0"/>
-            </a:p>
-          </p:txBody>
-        </p:sp>
-        <p:sp>
-          <p:nvSpPr>
-            <p:cNvPr id="145" name="Rectangle 144"/>
-            <p:cNvSpPr/>
-            <p:nvPr/>
-          </p:nvSpPr>
-          <p:spPr>
-            <a:xfrm>
-              <a:off x="1568439" y="4714876"/>
-              <a:ext cx="496751" cy="443864"/>
-            </a:xfrm>
-            <a:prstGeom prst="rect">
-              <a:avLst/>
-            </a:prstGeom>
-          </p:spPr>
-          <p:style>
-            <a:lnRef idx="2">
-              <a:schemeClr val="accent1">
-                <a:shade val="50000"/>
-              </a:schemeClr>
-            </a:lnRef>
-            <a:fillRef idx="1">
-              <a:schemeClr val="accent1"/>
-            </a:fillRef>
-            <a:effectRef idx="0">
-              <a:schemeClr val="accent1"/>
-            </a:effectRef>
-            <a:fontRef idx="minor">
-              <a:schemeClr val="lt1"/>
-            </a:fontRef>
-          </p:style>
-          <p:txBody>
-            <a:bodyPr rtlCol="0" anchor="ctr"/>
-            <a:lstStyle/>
-            <a:p>
-              <a:pPr algn="ctr"/>
-              <a:r>
-                <a:rPr lang="en-US" altLang="zh-CN" sz="1000" b="1" dirty="0" err="1" smtClean="0"/>
-                <a:t>Sns</a:t>
-              </a:r>
-              <a:endParaRPr lang="en-US" altLang="zh-CN" sz="900" b="1" dirty="0" smtClean="0"/>
-            </a:p>
-            <a:p>
-              <a:pPr algn="ctr"/>
-              <a:r>
-                <a:rPr lang="en-US" altLang="zh-CN" sz="900" b="1" dirty="0" smtClean="0"/>
-                <a:t>State</a:t>
-              </a:r>
-              <a:endParaRPr lang="zh-CN" altLang="en-US" sz="900" b="1" dirty="0"/>
-            </a:p>
-          </p:txBody>
-        </p:sp>
-        <p:sp>
-          <p:nvSpPr>
-            <p:cNvPr id="146" name="Rectangle 145"/>
-            <p:cNvSpPr/>
-            <p:nvPr/>
-          </p:nvSpPr>
-          <p:spPr>
-            <a:xfrm>
-              <a:off x="1004559" y="5690236"/>
-              <a:ext cx="496751" cy="443864"/>
-            </a:xfrm>
-            <a:prstGeom prst="rect">
-              <a:avLst/>
-            </a:prstGeom>
-          </p:spPr>
-          <p:style>
-            <a:lnRef idx="2">
-              <a:schemeClr val="accent1">
-                <a:shade val="50000"/>
-              </a:schemeClr>
-            </a:lnRef>
-            <a:fillRef idx="1">
-              <a:schemeClr val="accent1"/>
-            </a:fillRef>
-            <a:effectRef idx="0">
-              <a:schemeClr val="accent1"/>
-            </a:effectRef>
-            <a:fontRef idx="minor">
-              <a:schemeClr val="lt1"/>
-            </a:fontRef>
-          </p:style>
-          <p:txBody>
-            <a:bodyPr rtlCol="0" anchor="ctr"/>
-            <a:lstStyle/>
-            <a:p>
-              <a:pPr algn="ctr"/>
-              <a:r>
-                <a:rPr lang="en-US" altLang="zh-CN" sz="600" b="1" dirty="0" smtClean="0"/>
-                <a:t>Over</a:t>
-              </a:r>
-            </a:p>
-            <a:p>
-              <a:pPr algn="ctr"/>
-              <a:r>
-                <a:rPr lang="en-US" altLang="zh-CN" sz="600" b="1" dirty="0" smtClean="0"/>
-                <a:t>ride</a:t>
-              </a:r>
-            </a:p>
-            <a:p>
-              <a:pPr algn="ctr"/>
-              <a:r>
-                <a:rPr lang="en-US" altLang="zh-CN" sz="600" b="1" dirty="0" smtClean="0"/>
-                <a:t>Ctrl</a:t>
-              </a:r>
-              <a:endParaRPr lang="zh-CN" altLang="en-US" sz="600" b="1" dirty="0"/>
-            </a:p>
-          </p:txBody>
-        </p:sp>
-        <p:sp>
-          <p:nvSpPr>
-            <p:cNvPr id="147" name="Rectangle 146"/>
-            <p:cNvSpPr/>
-            <p:nvPr/>
-          </p:nvSpPr>
-          <p:spPr>
-            <a:xfrm>
-              <a:off x="1560819" y="5210176"/>
-              <a:ext cx="496751" cy="443864"/>
-            </a:xfrm>
-            <a:prstGeom prst="rect">
-              <a:avLst/>
-            </a:prstGeom>
-          </p:spPr>
-          <p:style>
-            <a:lnRef idx="2">
-              <a:schemeClr val="accent1">
-                <a:shade val="50000"/>
-              </a:schemeClr>
-            </a:lnRef>
-            <a:fillRef idx="1">
-              <a:schemeClr val="accent1"/>
-            </a:fillRef>
-            <a:effectRef idx="0">
-              <a:schemeClr val="accent1"/>
-            </a:effectRef>
-            <a:fontRef idx="minor">
-              <a:schemeClr val="lt1"/>
-            </a:fontRef>
-          </p:style>
-          <p:txBody>
-            <a:bodyPr rtlCol="0" anchor="ctr"/>
-            <a:lstStyle/>
-            <a:p>
-              <a:pPr algn="ctr"/>
-              <a:r>
-                <a:rPr lang="en-US" altLang="zh-CN" sz="900" b="1" dirty="0" err="1" smtClean="0"/>
-                <a:t>LookUp</a:t>
-              </a:r>
-              <a:endParaRPr lang="en-US" altLang="zh-CN" sz="900" b="1" dirty="0" smtClean="0"/>
-            </a:p>
-            <a:p>
-              <a:pPr algn="ctr"/>
-              <a:r>
-                <a:rPr lang="en-US" altLang="zh-CN" sz="900" b="1" dirty="0" smtClean="0"/>
-                <a:t>Table</a:t>
-              </a:r>
-            </a:p>
-          </p:txBody>
-        </p:sp>
-        <p:sp>
-          <p:nvSpPr>
-            <p:cNvPr id="148" name="Rectangle 147"/>
-            <p:cNvSpPr/>
-            <p:nvPr/>
-          </p:nvSpPr>
-          <p:spPr>
-            <a:xfrm>
-              <a:off x="3344124" y="3710940"/>
-              <a:ext cx="236350" cy="472440"/>
+              <a:off x="875376" y="4017776"/>
+              <a:ext cx="527049" cy="333386"/>
             </a:xfrm>
             <a:prstGeom prst="rect">
               <a:avLst/>
@@ -9284,13 +8691,532 @@
               <a:pPr algn="ctr"/>
               <a:r>
                 <a:rPr lang="en-US" altLang="zh-CN" sz="900" b="1" dirty="0" smtClean="0"/>
-                <a:t>…</a:t>
+                <a:t>Basic</a:t>
+              </a:r>
+            </a:p>
+            <a:p>
+              <a:pPr algn="ctr"/>
+              <a:r>
+                <a:rPr lang="en-US" altLang="zh-CN" sz="900" b="1" dirty="0" smtClean="0"/>
+                <a:t>PDC</a:t>
+              </a:r>
+              <a:endParaRPr lang="zh-CN" altLang="en-US" sz="900" b="1" dirty="0"/>
+            </a:p>
+          </p:txBody>
+        </p:sp>
+        <p:sp>
+          <p:nvSpPr>
+            <p:cNvPr id="156" name="Rectangle 155"/>
+            <p:cNvSpPr/>
+            <p:nvPr/>
+          </p:nvSpPr>
+          <p:spPr>
+            <a:xfrm>
+              <a:off x="1440420" y="4017290"/>
+              <a:ext cx="535392" cy="333872"/>
+            </a:xfrm>
+            <a:prstGeom prst="rect">
+              <a:avLst/>
+            </a:prstGeom>
+          </p:spPr>
+          <p:style>
+            <a:lnRef idx="2">
+              <a:schemeClr val="accent1">
+                <a:shade val="50000"/>
+              </a:schemeClr>
+            </a:lnRef>
+            <a:fillRef idx="1">
+              <a:schemeClr val="accent1"/>
+            </a:fillRef>
+            <a:effectRef idx="0">
+              <a:schemeClr val="accent1"/>
+            </a:effectRef>
+            <a:fontRef idx="minor">
+              <a:schemeClr val="lt1"/>
+            </a:fontRef>
+          </p:style>
+          <p:txBody>
+            <a:bodyPr rtlCol="0" anchor="ctr"/>
+            <a:lstStyle/>
+            <a:p>
+              <a:pPr algn="ctr"/>
+              <a:r>
+                <a:rPr lang="en-US" altLang="zh-CN" sz="900" b="1" dirty="0" smtClean="0"/>
+                <a:t>Basic</a:t>
+              </a:r>
+            </a:p>
+            <a:p>
+              <a:pPr algn="ctr"/>
+              <a:r>
+                <a:rPr lang="en-US" altLang="zh-CN" sz="900" b="1" dirty="0" smtClean="0"/>
+                <a:t>PA</a:t>
+              </a:r>
+            </a:p>
+          </p:txBody>
+        </p:sp>
+        <p:sp>
+          <p:nvSpPr>
+            <p:cNvPr id="157" name="Rectangle 156"/>
+            <p:cNvSpPr/>
+            <p:nvPr/>
+          </p:nvSpPr>
+          <p:spPr>
+            <a:xfrm>
+              <a:off x="2038290" y="4016880"/>
+              <a:ext cx="446280" cy="330431"/>
+            </a:xfrm>
+            <a:prstGeom prst="rect">
+              <a:avLst/>
+            </a:prstGeom>
+          </p:spPr>
+          <p:style>
+            <a:lnRef idx="2">
+              <a:schemeClr val="accent1">
+                <a:shade val="50000"/>
+              </a:schemeClr>
+            </a:lnRef>
+            <a:fillRef idx="1">
+              <a:schemeClr val="accent1"/>
+            </a:fillRef>
+            <a:effectRef idx="0">
+              <a:schemeClr val="accent1"/>
+            </a:effectRef>
+            <a:fontRef idx="minor">
+              <a:schemeClr val="lt1"/>
+            </a:fontRef>
+          </p:style>
+          <p:txBody>
+            <a:bodyPr rtlCol="0" anchor="ctr"/>
+            <a:lstStyle/>
+            <a:p>
+              <a:pPr algn="ctr"/>
+              <a:r>
+                <a:rPr lang="en-US" altLang="zh-CN" sz="900" b="1" dirty="0" smtClean="0"/>
+                <a:t>Basic</a:t>
+              </a:r>
+            </a:p>
+            <a:p>
+              <a:pPr algn="ctr"/>
+              <a:r>
+                <a:rPr lang="en-US" altLang="zh-CN" sz="900" b="1" dirty="0" smtClean="0"/>
+                <a:t>AVM</a:t>
               </a:r>
               <a:endParaRPr lang="zh-CN" altLang="en-US" sz="900" b="1" dirty="0"/>
             </a:p>
           </p:txBody>
         </p:sp>
       </p:grpSp>
+      <p:sp>
+        <p:nvSpPr>
+          <p:cNvPr id="150" name="Rectangle 149"/>
+          <p:cNvSpPr/>
+          <p:nvPr/>
+        </p:nvSpPr>
+        <p:spPr>
+          <a:xfrm>
+            <a:off x="3423307" y="3354742"/>
+            <a:ext cx="480356" cy="443864"/>
+          </a:xfrm>
+          <a:prstGeom prst="rect">
+            <a:avLst/>
+          </a:prstGeom>
+        </p:spPr>
+        <p:style>
+          <a:lnRef idx="2">
+            <a:schemeClr val="accent1">
+              <a:shade val="50000"/>
+            </a:schemeClr>
+          </a:lnRef>
+          <a:fillRef idx="1">
+            <a:schemeClr val="accent1"/>
+          </a:fillRef>
+          <a:effectRef idx="0">
+            <a:schemeClr val="accent1"/>
+          </a:effectRef>
+          <a:fontRef idx="minor">
+            <a:schemeClr val="lt1"/>
+          </a:fontRef>
+        </p:style>
+        <p:txBody>
+          <a:bodyPr rtlCol="0" anchor="ctr"/>
+          <a:lstStyle/>
+          <a:p>
+            <a:pPr algn="ctr"/>
+            <a:r>
+              <a:rPr lang="en-US" altLang="zh-CN" sz="900" b="1" dirty="0" smtClean="0"/>
+              <a:t>Cam</a:t>
+            </a:r>
+          </a:p>
+          <a:p>
+            <a:pPr algn="ctr"/>
+            <a:r>
+              <a:rPr lang="en-US" altLang="zh-CN" sz="900" b="1" dirty="0" smtClean="0"/>
+              <a:t>Hub</a:t>
+            </a:r>
+            <a:endParaRPr lang="zh-CN" altLang="en-US" sz="900" b="1" dirty="0"/>
+          </a:p>
+        </p:txBody>
+      </p:sp>
+      <p:sp>
+        <p:nvSpPr>
+          <p:cNvPr id="151" name="Rectangle 150"/>
+          <p:cNvSpPr/>
+          <p:nvPr/>
+        </p:nvSpPr>
+        <p:spPr>
+          <a:xfrm>
+            <a:off x="849966" y="3871914"/>
+            <a:ext cx="514603" cy="443864"/>
+          </a:xfrm>
+          <a:prstGeom prst="rect">
+            <a:avLst/>
+          </a:prstGeom>
+        </p:spPr>
+        <p:style>
+          <a:lnRef idx="2">
+            <a:schemeClr val="accent1">
+              <a:shade val="50000"/>
+            </a:schemeClr>
+          </a:lnRef>
+          <a:fillRef idx="1">
+            <a:schemeClr val="accent1"/>
+          </a:fillRef>
+          <a:effectRef idx="0">
+            <a:schemeClr val="accent1"/>
+          </a:effectRef>
+          <a:fontRef idx="minor">
+            <a:schemeClr val="lt1"/>
+          </a:fontRef>
+        </p:style>
+        <p:txBody>
+          <a:bodyPr rtlCol="0" anchor="ctr"/>
+          <a:lstStyle/>
+          <a:p>
+            <a:pPr algn="ctr"/>
+            <a:r>
+              <a:rPr lang="en-US" altLang="zh-CN" sz="900" b="1" dirty="0" smtClean="0"/>
+              <a:t>Cam</a:t>
+            </a:r>
+          </a:p>
+          <a:p>
+            <a:pPr algn="ctr"/>
+            <a:r>
+              <a:rPr lang="en-US" altLang="zh-CN" sz="900" b="1" dirty="0" smtClean="0"/>
+              <a:t>State</a:t>
+            </a:r>
+            <a:endParaRPr lang="zh-CN" altLang="en-US" sz="900" b="1" dirty="0"/>
+          </a:p>
+        </p:txBody>
+      </p:sp>
+      <p:sp>
+        <p:nvSpPr>
+          <p:cNvPr id="152" name="Rectangle 151"/>
+          <p:cNvSpPr/>
+          <p:nvPr/>
+        </p:nvSpPr>
+        <p:spPr>
+          <a:xfrm>
+            <a:off x="849966" y="4356736"/>
+            <a:ext cx="514603" cy="443864"/>
+          </a:xfrm>
+          <a:prstGeom prst="rect">
+            <a:avLst/>
+          </a:prstGeom>
+        </p:spPr>
+        <p:style>
+          <a:lnRef idx="2">
+            <a:schemeClr val="accent1">
+              <a:shade val="50000"/>
+            </a:schemeClr>
+          </a:lnRef>
+          <a:fillRef idx="1">
+            <a:schemeClr val="accent1"/>
+          </a:fillRef>
+          <a:effectRef idx="0">
+            <a:schemeClr val="accent1"/>
+          </a:effectRef>
+          <a:fontRef idx="minor">
+            <a:schemeClr val="lt1"/>
+          </a:fontRef>
+        </p:style>
+        <p:txBody>
+          <a:bodyPr rtlCol="0" anchor="ctr"/>
+          <a:lstStyle/>
+          <a:p>
+            <a:pPr algn="ctr"/>
+            <a:r>
+              <a:rPr lang="en-US" altLang="zh-CN" sz="900" b="1" dirty="0" err="1" smtClean="0"/>
+              <a:t>Prio</a:t>
+            </a:r>
+            <a:endParaRPr lang="en-US" altLang="zh-CN" sz="900" b="1" dirty="0" smtClean="0"/>
+          </a:p>
+          <a:p>
+            <a:pPr algn="ctr"/>
+            <a:r>
+              <a:rPr lang="en-US" altLang="zh-CN" sz="900" b="1" dirty="0" smtClean="0"/>
+              <a:t>Ctrl</a:t>
+            </a:r>
+            <a:endParaRPr lang="zh-CN" altLang="en-US" sz="900" b="1" dirty="0"/>
+          </a:p>
+        </p:txBody>
+      </p:sp>
+      <p:sp>
+        <p:nvSpPr>
+          <p:cNvPr id="143" name="Rectangle 142"/>
+          <p:cNvSpPr/>
+          <p:nvPr/>
+        </p:nvSpPr>
+        <p:spPr>
+          <a:xfrm>
+            <a:off x="857626" y="2869965"/>
+            <a:ext cx="3035383" cy="429495"/>
+          </a:xfrm>
+          <a:prstGeom prst="rect">
+            <a:avLst/>
+          </a:prstGeom>
+        </p:spPr>
+        <p:style>
+          <a:lnRef idx="2">
+            <a:schemeClr val="accent1">
+              <a:shade val="50000"/>
+            </a:schemeClr>
+          </a:lnRef>
+          <a:fillRef idx="1">
+            <a:schemeClr val="accent1"/>
+          </a:fillRef>
+          <a:effectRef idx="0">
+            <a:schemeClr val="accent1"/>
+          </a:effectRef>
+          <a:fontRef idx="minor">
+            <a:schemeClr val="lt1"/>
+          </a:fontRef>
+        </p:style>
+        <p:txBody>
+          <a:bodyPr rtlCol="0" anchor="ctr"/>
+          <a:lstStyle/>
+          <a:p>
+            <a:pPr algn="ctr"/>
+            <a:r>
+              <a:rPr lang="en-US" altLang="zh-CN" sz="900" b="1" dirty="0" smtClean="0"/>
+              <a:t>ADAS Manager</a:t>
+            </a:r>
+            <a:endParaRPr lang="zh-CN" altLang="en-US" sz="900" b="1" dirty="0"/>
+          </a:p>
+        </p:txBody>
+      </p:sp>
+      <p:sp>
+        <p:nvSpPr>
+          <p:cNvPr id="144" name="Rectangle 143"/>
+          <p:cNvSpPr/>
+          <p:nvPr/>
+        </p:nvSpPr>
+        <p:spPr>
+          <a:xfrm>
+            <a:off x="1426215" y="3868725"/>
+            <a:ext cx="548514" cy="443864"/>
+          </a:xfrm>
+          <a:prstGeom prst="rect">
+            <a:avLst/>
+          </a:prstGeom>
+        </p:spPr>
+        <p:style>
+          <a:lnRef idx="2">
+            <a:schemeClr val="accent1">
+              <a:shade val="50000"/>
+            </a:schemeClr>
+          </a:lnRef>
+          <a:fillRef idx="1">
+            <a:schemeClr val="accent1"/>
+          </a:fillRef>
+          <a:effectRef idx="0">
+            <a:schemeClr val="accent1"/>
+          </a:effectRef>
+          <a:fontRef idx="minor">
+            <a:schemeClr val="lt1"/>
+          </a:fontRef>
+        </p:style>
+        <p:txBody>
+          <a:bodyPr rtlCol="0" anchor="ctr"/>
+          <a:lstStyle/>
+          <a:p>
+            <a:pPr algn="ctr"/>
+            <a:r>
+              <a:rPr lang="en-US" altLang="zh-CN" sz="900" b="1" dirty="0" err="1" smtClean="0"/>
+              <a:t>Sns</a:t>
+            </a:r>
+            <a:endParaRPr lang="en-US" altLang="zh-CN" sz="900" b="1" dirty="0" smtClean="0"/>
+          </a:p>
+          <a:p>
+            <a:pPr algn="ctr"/>
+            <a:r>
+              <a:rPr lang="en-US" altLang="zh-CN" sz="900" b="1" dirty="0" smtClean="0"/>
+              <a:t>Hub</a:t>
+            </a:r>
+            <a:endParaRPr lang="zh-CN" altLang="en-US" sz="1050" b="1" dirty="0"/>
+          </a:p>
+        </p:txBody>
+      </p:sp>
+      <p:sp>
+        <p:nvSpPr>
+          <p:cNvPr id="145" name="Rectangle 144"/>
+          <p:cNvSpPr/>
+          <p:nvPr/>
+        </p:nvSpPr>
+        <p:spPr>
+          <a:xfrm>
+            <a:off x="1426155" y="4348785"/>
+            <a:ext cx="514603" cy="443864"/>
+          </a:xfrm>
+          <a:prstGeom prst="rect">
+            <a:avLst/>
+          </a:prstGeom>
+        </p:spPr>
+        <p:style>
+          <a:lnRef idx="2">
+            <a:schemeClr val="accent1">
+              <a:shade val="50000"/>
+            </a:schemeClr>
+          </a:lnRef>
+          <a:fillRef idx="1">
+            <a:schemeClr val="accent1"/>
+          </a:fillRef>
+          <a:effectRef idx="0">
+            <a:schemeClr val="accent1"/>
+          </a:effectRef>
+          <a:fontRef idx="minor">
+            <a:schemeClr val="lt1"/>
+          </a:fontRef>
+        </p:style>
+        <p:txBody>
+          <a:bodyPr rtlCol="0" anchor="ctr"/>
+          <a:lstStyle/>
+          <a:p>
+            <a:pPr algn="ctr"/>
+            <a:r>
+              <a:rPr lang="en-US" altLang="zh-CN" sz="1000" b="1" dirty="0" err="1" smtClean="0"/>
+              <a:t>Sns</a:t>
+            </a:r>
+            <a:endParaRPr lang="en-US" altLang="zh-CN" sz="900" b="1" dirty="0" smtClean="0"/>
+          </a:p>
+          <a:p>
+            <a:pPr algn="ctr"/>
+            <a:r>
+              <a:rPr lang="en-US" altLang="zh-CN" sz="900" b="1" dirty="0" smtClean="0"/>
+              <a:t>State</a:t>
+            </a:r>
+            <a:endParaRPr lang="zh-CN" altLang="en-US" sz="900" b="1" dirty="0"/>
+          </a:p>
+        </p:txBody>
+      </p:sp>
+      <p:sp>
+        <p:nvSpPr>
+          <p:cNvPr id="146" name="Rectangle 145"/>
+          <p:cNvSpPr/>
+          <p:nvPr/>
+        </p:nvSpPr>
+        <p:spPr>
+          <a:xfrm>
+            <a:off x="858479" y="4842339"/>
+            <a:ext cx="514603" cy="443864"/>
+          </a:xfrm>
+          <a:prstGeom prst="rect">
+            <a:avLst/>
+          </a:prstGeom>
+        </p:spPr>
+        <p:style>
+          <a:lnRef idx="2">
+            <a:schemeClr val="accent1">
+              <a:shade val="50000"/>
+            </a:schemeClr>
+          </a:lnRef>
+          <a:fillRef idx="1">
+            <a:schemeClr val="accent1"/>
+          </a:fillRef>
+          <a:effectRef idx="0">
+            <a:schemeClr val="accent1"/>
+          </a:effectRef>
+          <a:fontRef idx="minor">
+            <a:schemeClr val="lt1"/>
+          </a:fontRef>
+        </p:style>
+        <p:txBody>
+          <a:bodyPr rtlCol="0" anchor="ctr"/>
+          <a:lstStyle/>
+          <a:p>
+            <a:pPr algn="ctr"/>
+            <a:r>
+              <a:rPr lang="en-US" altLang="zh-CN" sz="600" b="1" dirty="0" smtClean="0"/>
+              <a:t>Over</a:t>
+            </a:r>
+          </a:p>
+          <a:p>
+            <a:pPr algn="ctr"/>
+            <a:r>
+              <a:rPr lang="en-US" altLang="zh-CN" sz="600" b="1" dirty="0" smtClean="0"/>
+              <a:t>ride</a:t>
+            </a:r>
+          </a:p>
+          <a:p>
+            <a:pPr algn="ctr"/>
+            <a:r>
+              <a:rPr lang="en-US" altLang="zh-CN" sz="600" b="1" dirty="0" smtClean="0"/>
+              <a:t>Ctrl</a:t>
+            </a:r>
+            <a:endParaRPr lang="zh-CN" altLang="en-US" sz="600" b="1" dirty="0"/>
+          </a:p>
+        </p:txBody>
+      </p:sp>
+      <p:sp>
+        <p:nvSpPr>
+          <p:cNvPr id="147" name="Rectangle 146"/>
+          <p:cNvSpPr/>
+          <p:nvPr/>
+        </p:nvSpPr>
+        <p:spPr>
+          <a:xfrm>
+            <a:off x="1418261" y="4844085"/>
+            <a:ext cx="514603" cy="443864"/>
+          </a:xfrm>
+          <a:prstGeom prst="rect">
+            <a:avLst/>
+          </a:prstGeom>
+        </p:spPr>
+        <p:style>
+          <a:lnRef idx="2">
+            <a:schemeClr val="accent1">
+              <a:shade val="50000"/>
+            </a:schemeClr>
+          </a:lnRef>
+          <a:fillRef idx="1">
+            <a:schemeClr val="accent1"/>
+          </a:fillRef>
+          <a:effectRef idx="0">
+            <a:schemeClr val="accent1"/>
+          </a:effectRef>
+          <a:fontRef idx="minor">
+            <a:schemeClr val="lt1"/>
+          </a:fontRef>
+        </p:style>
+        <p:txBody>
+          <a:bodyPr rtlCol="0" anchor="ctr"/>
+          <a:lstStyle/>
+          <a:p>
+            <a:pPr algn="ctr"/>
+            <a:r>
+              <a:rPr lang="en-US" altLang="zh-CN" sz="900" b="1" dirty="0" err="1" smtClean="0"/>
+              <a:t>LookUp</a:t>
+            </a:r>
+            <a:endParaRPr lang="en-US" altLang="zh-CN" sz="900" b="1" dirty="0" smtClean="0"/>
+          </a:p>
+          <a:p>
+            <a:pPr algn="ctr"/>
+            <a:r>
+              <a:rPr lang="en-US" altLang="zh-CN" sz="900" b="1" dirty="0" smtClean="0"/>
+              <a:t>Table</a:t>
+            </a:r>
+          </a:p>
+        </p:txBody>
+      </p:sp>
       <p:sp>
         <p:nvSpPr>
           <p:cNvPr id="137" name="Rectangle 136"/>
@@ -9387,7 +9313,7 @@
         </p:nvSpPr>
         <p:spPr>
           <a:xfrm>
-            <a:off x="392158" y="3335656"/>
+            <a:off x="202731" y="3328534"/>
             <a:ext cx="514603" cy="443864"/>
           </a:xfrm>
           <a:prstGeom prst="rect">
@@ -9438,7 +9364,7 @@
         </p:nvSpPr>
         <p:spPr>
           <a:xfrm>
-            <a:off x="384538" y="4326256"/>
+            <a:off x="217166" y="4322736"/>
             <a:ext cx="514622" cy="443864"/>
           </a:xfrm>
           <a:prstGeom prst="rect">
@@ -9649,7 +9575,7 @@
         </p:nvSpPr>
         <p:spPr>
           <a:xfrm>
-            <a:off x="144780" y="5524500"/>
+            <a:off x="175934" y="5556634"/>
             <a:ext cx="8869680" cy="381000"/>
           </a:xfrm>
           <a:prstGeom prst="rect">
@@ -9694,7 +9620,7 @@
         </p:nvGrpSpPr>
         <p:grpSpPr>
           <a:xfrm>
-            <a:off x="3899954" y="2870836"/>
+            <a:off x="3939709" y="2870836"/>
             <a:ext cx="580606" cy="923924"/>
             <a:chOff x="3602774" y="2878456"/>
             <a:chExt cx="580606" cy="923924"/>
@@ -9853,10 +9779,10 @@
         </p:nvGrpSpPr>
         <p:grpSpPr>
           <a:xfrm>
-            <a:off x="6163091" y="2453640"/>
-            <a:ext cx="733006" cy="2133600"/>
+            <a:off x="6203086" y="2421748"/>
+            <a:ext cx="733006" cy="1982527"/>
             <a:chOff x="5942114" y="2895600"/>
-            <a:chExt cx="592934" cy="2133600"/>
+            <a:chExt cx="592934" cy="1982527"/>
           </a:xfrm>
         </p:grpSpPr>
         <p:sp>
@@ -10013,7 +9939,7 @@
           </p:nvSpPr>
           <p:spPr>
             <a:xfrm>
-              <a:off x="5954442" y="4585336"/>
+              <a:off x="5954442" y="4434263"/>
               <a:ext cx="580606" cy="443864"/>
             </a:xfrm>
             <a:prstGeom prst="rect">
@@ -10049,8 +9975,15 @@
                 <a:t>Cam </a:t>
               </a:r>
               <a:r>
-                <a:rPr lang="en-US" altLang="zh-CN" sz="700" b="1" dirty="0" err="1" smtClean="0"/>
-                <a:t>Drv</a:t>
+                <a:rPr lang="en-US" altLang="zh-CN" sz="700" b="1" dirty="0" smtClean="0"/>
+                <a:t>Driver</a:t>
+              </a:r>
+            </a:p>
+            <a:p>
+              <a:pPr algn="ctr"/>
+              <a:r>
+                <a:rPr lang="en-US" altLang="zh-CN" sz="700" b="1" dirty="0" smtClean="0"/>
+                <a:t>Thread</a:t>
               </a:r>
               <a:endParaRPr lang="en-US" altLang="zh-CN" sz="700" b="1" dirty="0" smtClean="0"/>
             </a:p>
@@ -10058,320 +9991,7 @@
               <a:pPr algn="ctr"/>
               <a:r>
                 <a:rPr lang="en-US" altLang="zh-CN" sz="700" b="1" dirty="0" smtClean="0"/>
-                <a:t>Process</a:t>
-              </a:r>
-            </a:p>
-            <a:p>
-              <a:pPr algn="ctr"/>
-              <a:r>
-                <a:rPr lang="en-US" altLang="zh-CN" sz="700" b="1" dirty="0" smtClean="0"/>
                 <a:t>(early)</a:t>
-              </a:r>
-              <a:endParaRPr lang="zh-CN" altLang="en-US" sz="700" b="1" dirty="0"/>
-            </a:p>
-          </p:txBody>
-        </p:sp>
-      </p:grpSp>
-      <p:grpSp>
-        <p:nvGrpSpPr>
-          <p:cNvPr id="211" name="Group 210"/>
-          <p:cNvGrpSpPr/>
-          <p:nvPr/>
-        </p:nvGrpSpPr>
-        <p:grpSpPr>
-          <a:xfrm>
-            <a:off x="7199414" y="2446020"/>
-            <a:ext cx="687286" cy="2933700"/>
-            <a:chOff x="6940334" y="2430780"/>
-            <a:chExt cx="687286" cy="2933700"/>
-          </a:xfrm>
-        </p:grpSpPr>
-        <p:sp>
-          <p:nvSpPr>
-            <p:cNvPr id="203" name="Rectangle 202"/>
-            <p:cNvSpPr/>
-            <p:nvPr/>
-          </p:nvSpPr>
-          <p:spPr>
-            <a:xfrm>
-              <a:off x="6955574" y="2430780"/>
-              <a:ext cx="664426" cy="411480"/>
-            </a:xfrm>
-            <a:prstGeom prst="rect">
-              <a:avLst/>
-            </a:prstGeom>
-          </p:spPr>
-          <p:style>
-            <a:lnRef idx="2">
-              <a:schemeClr val="accent1">
-                <a:shade val="50000"/>
-              </a:schemeClr>
-            </a:lnRef>
-            <a:fillRef idx="1">
-              <a:schemeClr val="accent1"/>
-            </a:fillRef>
-            <a:effectRef idx="0">
-              <a:schemeClr val="accent1"/>
-            </a:effectRef>
-            <a:fontRef idx="minor">
-              <a:schemeClr val="lt1"/>
-            </a:fontRef>
-          </p:style>
-          <p:txBody>
-            <a:bodyPr rtlCol="0" anchor="ctr"/>
-            <a:lstStyle/>
-            <a:p>
-              <a:pPr algn="ctr"/>
-              <a:r>
-                <a:rPr lang="en-US" altLang="zh-CN" sz="700" b="1" dirty="0" smtClean="0"/>
-                <a:t>Common</a:t>
-              </a:r>
-            </a:p>
-            <a:p>
-              <a:pPr algn="ctr"/>
-              <a:r>
-                <a:rPr lang="en-US" altLang="zh-CN" sz="700" b="1" dirty="0" smtClean="0"/>
-                <a:t>app framework</a:t>
-              </a:r>
-              <a:endParaRPr lang="en-US" altLang="zh-CN" sz="900" b="1" dirty="0" smtClean="0"/>
-            </a:p>
-          </p:txBody>
-        </p:sp>
-        <p:sp>
-          <p:nvSpPr>
-            <p:cNvPr id="204" name="Rectangle 203"/>
-            <p:cNvSpPr/>
-            <p:nvPr/>
-          </p:nvSpPr>
-          <p:spPr>
-            <a:xfrm>
-              <a:off x="6955574" y="2893696"/>
-              <a:ext cx="656806" cy="443864"/>
-            </a:xfrm>
-            <a:prstGeom prst="rect">
-              <a:avLst/>
-            </a:prstGeom>
-          </p:spPr>
-          <p:style>
-            <a:lnRef idx="2">
-              <a:schemeClr val="accent1">
-                <a:shade val="50000"/>
-              </a:schemeClr>
-            </a:lnRef>
-            <a:fillRef idx="1">
-              <a:schemeClr val="accent1"/>
-            </a:fillRef>
-            <a:effectRef idx="0">
-              <a:schemeClr val="accent1"/>
-            </a:effectRef>
-            <a:fontRef idx="minor">
-              <a:schemeClr val="lt1"/>
-            </a:fontRef>
-          </p:style>
-          <p:txBody>
-            <a:bodyPr rtlCol="0" anchor="ctr"/>
-            <a:lstStyle/>
-            <a:p>
-              <a:pPr algn="ctr"/>
-              <a:r>
-                <a:rPr lang="en-US" altLang="zh-CN" sz="800" b="1" dirty="0" err="1" smtClean="0"/>
-                <a:t>Runnable</a:t>
-              </a:r>
-              <a:endParaRPr lang="zh-CN" altLang="en-US" sz="1050" b="1" dirty="0"/>
-            </a:p>
-          </p:txBody>
-        </p:sp>
-        <p:sp>
-          <p:nvSpPr>
-            <p:cNvPr id="205" name="Rectangle 204"/>
-            <p:cNvSpPr/>
-            <p:nvPr/>
-          </p:nvSpPr>
-          <p:spPr>
-            <a:xfrm>
-              <a:off x="6940334" y="3388996"/>
-              <a:ext cx="664426" cy="443864"/>
-            </a:xfrm>
-            <a:prstGeom prst="rect">
-              <a:avLst/>
-            </a:prstGeom>
-          </p:spPr>
-          <p:style>
-            <a:lnRef idx="2">
-              <a:schemeClr val="accent1">
-                <a:shade val="50000"/>
-              </a:schemeClr>
-            </a:lnRef>
-            <a:fillRef idx="1">
-              <a:schemeClr val="accent1"/>
-            </a:fillRef>
-            <a:effectRef idx="0">
-              <a:schemeClr val="accent1"/>
-            </a:effectRef>
-            <a:fontRef idx="minor">
-              <a:schemeClr val="lt1"/>
-            </a:fontRef>
-          </p:style>
-          <p:txBody>
-            <a:bodyPr rtlCol="0" anchor="ctr"/>
-            <a:lstStyle/>
-            <a:p>
-              <a:pPr algn="ctr"/>
-              <a:r>
-                <a:rPr lang="en-US" altLang="zh-CN" sz="900" b="1" dirty="0" smtClean="0"/>
-                <a:t>Event</a:t>
-              </a:r>
-              <a:endParaRPr lang="zh-CN" altLang="en-US" sz="900" b="1" dirty="0"/>
-            </a:p>
-          </p:txBody>
-        </p:sp>
-        <p:sp>
-          <p:nvSpPr>
-            <p:cNvPr id="206" name="Rectangle 205"/>
-            <p:cNvSpPr/>
-            <p:nvPr/>
-          </p:nvSpPr>
-          <p:spPr>
-            <a:xfrm>
-              <a:off x="6947954" y="3907156"/>
-              <a:ext cx="679666" cy="443864"/>
-            </a:xfrm>
-            <a:prstGeom prst="rect">
-              <a:avLst/>
-            </a:prstGeom>
-          </p:spPr>
-          <p:style>
-            <a:lnRef idx="2">
-              <a:schemeClr val="accent1">
-                <a:shade val="50000"/>
-              </a:schemeClr>
-            </a:lnRef>
-            <a:fillRef idx="1">
-              <a:schemeClr val="accent1"/>
-            </a:fillRef>
-            <a:effectRef idx="0">
-              <a:schemeClr val="accent1"/>
-            </a:effectRef>
-            <a:fontRef idx="minor">
-              <a:schemeClr val="lt1"/>
-            </a:fontRef>
-          </p:style>
-          <p:txBody>
-            <a:bodyPr rtlCol="0" anchor="ctr"/>
-            <a:lstStyle/>
-            <a:p>
-              <a:pPr algn="ctr"/>
-              <a:endParaRPr lang="en-US" altLang="zh-CN" sz="700" b="1" dirty="0" smtClean="0"/>
-            </a:p>
-            <a:p>
-              <a:pPr algn="ctr"/>
-              <a:r>
-                <a:rPr lang="en-US" altLang="zh-CN" sz="700" b="1" dirty="0" smtClean="0"/>
-                <a:t>Timer</a:t>
-              </a:r>
-              <a:endParaRPr lang="zh-CN" altLang="en-US" sz="700" b="1" dirty="0"/>
-            </a:p>
-          </p:txBody>
-        </p:sp>
-        <p:sp>
-          <p:nvSpPr>
-            <p:cNvPr id="207" name="Rectangle 206"/>
-            <p:cNvSpPr/>
-            <p:nvPr/>
-          </p:nvSpPr>
-          <p:spPr>
-            <a:xfrm>
-              <a:off x="6947954" y="4417696"/>
-              <a:ext cx="679666" cy="443864"/>
-            </a:xfrm>
-            <a:prstGeom prst="rect">
-              <a:avLst/>
-            </a:prstGeom>
-          </p:spPr>
-          <p:style>
-            <a:lnRef idx="2">
-              <a:schemeClr val="accent1">
-                <a:shade val="50000"/>
-              </a:schemeClr>
-            </a:lnRef>
-            <a:fillRef idx="1">
-              <a:schemeClr val="accent1"/>
-            </a:fillRef>
-            <a:effectRef idx="0">
-              <a:schemeClr val="accent1"/>
-            </a:effectRef>
-            <a:fontRef idx="minor">
-              <a:schemeClr val="lt1"/>
-            </a:fontRef>
-          </p:style>
-          <p:txBody>
-            <a:bodyPr rtlCol="0" anchor="ctr"/>
-            <a:lstStyle/>
-            <a:p>
-              <a:pPr algn="ctr"/>
-              <a:endParaRPr lang="en-US" altLang="zh-CN" sz="700" b="1" dirty="0" smtClean="0"/>
-            </a:p>
-            <a:p>
-              <a:pPr algn="ctr"/>
-              <a:r>
-                <a:rPr lang="en-US" altLang="zh-CN" sz="700" b="1" dirty="0" smtClean="0"/>
-                <a:t>Queue</a:t>
-              </a:r>
-              <a:endParaRPr lang="zh-CN" altLang="en-US" sz="700" b="1" dirty="0"/>
-            </a:p>
-          </p:txBody>
-        </p:sp>
-        <p:sp>
-          <p:nvSpPr>
-            <p:cNvPr id="208" name="Rectangle 207"/>
-            <p:cNvSpPr/>
-            <p:nvPr/>
-          </p:nvSpPr>
-          <p:spPr>
-            <a:xfrm>
-              <a:off x="6947954" y="4920616"/>
-              <a:ext cx="672046" cy="443864"/>
-            </a:xfrm>
-            <a:prstGeom prst="rect">
-              <a:avLst/>
-            </a:prstGeom>
-          </p:spPr>
-          <p:style>
-            <a:lnRef idx="2">
-              <a:schemeClr val="accent1">
-                <a:shade val="50000"/>
-              </a:schemeClr>
-            </a:lnRef>
-            <a:fillRef idx="1">
-              <a:schemeClr val="accent1"/>
-            </a:fillRef>
-            <a:effectRef idx="0">
-              <a:schemeClr val="accent1"/>
-            </a:effectRef>
-            <a:fontRef idx="minor">
-              <a:schemeClr val="lt1"/>
-            </a:fontRef>
-          </p:style>
-          <p:txBody>
-            <a:bodyPr rtlCol="0" anchor="ctr"/>
-            <a:lstStyle/>
-            <a:p>
-              <a:pPr algn="ctr"/>
-              <a:endParaRPr lang="en-US" altLang="zh-CN" sz="700" b="1" dirty="0" smtClean="0"/>
-            </a:p>
-            <a:p>
-              <a:pPr algn="ctr"/>
-              <a:r>
-                <a:rPr lang="en-US" altLang="zh-CN" sz="700" b="1" dirty="0" err="1" smtClean="0"/>
-                <a:t>Msg</a:t>
-              </a:r>
-              <a:endParaRPr lang="en-US" altLang="zh-CN" sz="700" b="1" dirty="0" smtClean="0"/>
-            </a:p>
-            <a:p>
-              <a:pPr algn="ctr"/>
-              <a:r>
-                <a:rPr lang="en-US" altLang="zh-CN" sz="700" b="1" dirty="0" smtClean="0"/>
-                <a:t>Handler</a:t>
               </a:r>
               <a:endParaRPr lang="zh-CN" altLang="en-US" sz="700" b="1" dirty="0"/>
             </a:p>
@@ -10689,8 +10309,8 @@
         </p:nvSpPr>
         <p:spPr>
           <a:xfrm>
-            <a:off x="6111240" y="4800600"/>
-            <a:ext cx="891540" cy="426720"/>
+            <a:off x="6103700" y="4450322"/>
+            <a:ext cx="921939" cy="805358"/>
           </a:xfrm>
           <a:prstGeom prst="rect">
             <a:avLst/>
@@ -10729,6 +10349,21 @@
             <a:pPr algn="ctr"/>
             <a:r>
               <a:rPr lang="en-US" altLang="zh-CN" sz="1050" b="1" dirty="0" smtClean="0"/>
+              <a:t>Core</a:t>
+            </a:r>
+          </a:p>
+          <a:p>
+            <a:pPr algn="ctr"/>
+            <a:r>
+              <a:rPr lang="en-US" altLang="zh-CN" sz="1050" b="1" dirty="0" smtClean="0"/>
+              <a:t>AVM/MOD</a:t>
+            </a:r>
+            <a:endParaRPr lang="en-US" altLang="zh-CN" sz="1050" b="1" dirty="0" smtClean="0"/>
+          </a:p>
+          <a:p>
+            <a:pPr algn="ctr"/>
+            <a:r>
+              <a:rPr lang="en-US" altLang="zh-CN" sz="1050" b="1" dirty="0" smtClean="0"/>
               <a:t>(</a:t>
             </a:r>
             <a:r>
@@ -10745,14 +10380,14 @@
       </p:sp>
       <p:sp>
         <p:nvSpPr>
-          <p:cNvPr id="55" name="Rectangle 54"/>
+          <p:cNvPr id="56" name="Rectangle 55"/>
           <p:cNvSpPr/>
           <p:nvPr/>
         </p:nvSpPr>
         <p:spPr>
           <a:xfrm>
-            <a:off x="7109460" y="2446020"/>
-            <a:ext cx="891540" cy="426720"/>
+            <a:off x="2933699" y="2897346"/>
+            <a:ext cx="931295" cy="386212"/>
           </a:xfrm>
           <a:prstGeom prst="rect">
             <a:avLst/>
@@ -10784,7 +10419,11 @@
             <a:pPr algn="ctr"/>
             <a:r>
               <a:rPr lang="en-US" altLang="zh-CN" sz="800" b="1" dirty="0" smtClean="0"/>
-              <a:t>Presentation Core</a:t>
+              <a:t>Presentation </a:t>
+            </a:r>
+            <a:r>
+              <a:rPr lang="en-US" altLang="zh-CN" sz="800" b="1" dirty="0" smtClean="0"/>
+              <a:t>Controller</a:t>
             </a:r>
             <a:endParaRPr lang="zh-CN" altLang="en-US" sz="800" b="1" dirty="0"/>
           </a:p>
@@ -10792,14 +10431,14 @@
       </p:sp>
       <p:sp>
         <p:nvSpPr>
-          <p:cNvPr id="56" name="Rectangle 55"/>
+          <p:cNvPr id="57" name="Rectangle 56"/>
           <p:cNvSpPr/>
           <p:nvPr/>
         </p:nvSpPr>
         <p:spPr>
           <a:xfrm>
-            <a:off x="2933700" y="2872740"/>
-            <a:ext cx="815340" cy="426720"/>
+            <a:off x="142514" y="4813934"/>
+            <a:ext cx="665555" cy="481965"/>
           </a:xfrm>
           <a:prstGeom prst="rect">
             <a:avLst/>
@@ -10830,71 +10469,18 @@
           <a:p>
             <a:pPr algn="ctr"/>
             <a:r>
+              <a:rPr lang="en-US" altLang="zh-CN" sz="800" b="1" dirty="0" err="1" smtClean="0"/>
+              <a:t>CommonAPI</a:t>
+            </a:r>
+            <a:endParaRPr lang="en-US" altLang="zh-CN" sz="800" b="1" dirty="0" smtClean="0"/>
+          </a:p>
+          <a:p>
+            <a:pPr algn="ctr"/>
+            <a:r>
               <a:rPr lang="en-US" altLang="zh-CN" sz="800" b="1" dirty="0" smtClean="0"/>
-              <a:t>Presentation Controller</a:t>
+              <a:t>Adapter</a:t>
             </a:r>
             <a:endParaRPr lang="zh-CN" altLang="en-US" sz="800" b="1" dirty="0"/>
-          </a:p>
-        </p:txBody>
-      </p:sp>
-      <p:sp>
-        <p:nvSpPr>
-          <p:cNvPr id="57" name="Rectangle 56"/>
-          <p:cNvSpPr/>
-          <p:nvPr/>
-        </p:nvSpPr>
-        <p:spPr>
-          <a:xfrm>
-            <a:off x="182880" y="4831080"/>
-            <a:ext cx="815340" cy="541020"/>
-          </a:xfrm>
-          <a:prstGeom prst="rect">
-            <a:avLst/>
-          </a:prstGeom>
-          <a:solidFill>
-            <a:srgbClr val="C00000"/>
-          </a:solidFill>
-        </p:spPr>
-        <p:style>
-          <a:lnRef idx="2">
-            <a:schemeClr val="accent1">
-              <a:shade val="50000"/>
-            </a:schemeClr>
-          </a:lnRef>
-          <a:fillRef idx="1">
-            <a:schemeClr val="accent1"/>
-          </a:fillRef>
-          <a:effectRef idx="0">
-            <a:schemeClr val="accent1"/>
-          </a:effectRef>
-          <a:fontRef idx="minor">
-            <a:schemeClr val="lt1"/>
-          </a:fontRef>
-        </p:style>
-        <p:txBody>
-          <a:bodyPr rtlCol="0" anchor="ctr"/>
-          <a:lstStyle/>
-          <a:p>
-            <a:pPr algn="ctr"/>
-            <a:r>
-              <a:rPr lang="en-US" altLang="zh-CN" sz="1050" b="1" dirty="0" smtClean="0"/>
-              <a:t>Porting</a:t>
-            </a:r>
-          </a:p>
-          <a:p>
-            <a:pPr algn="ctr"/>
-            <a:r>
-              <a:rPr lang="en-US" altLang="zh-CN" sz="1050" b="1" dirty="0" smtClean="0"/>
-              <a:t>Common</a:t>
-            </a:r>
-          </a:p>
-          <a:p>
-            <a:pPr algn="ctr"/>
-            <a:r>
-              <a:rPr lang="en-US" altLang="zh-CN" sz="1050" b="1" dirty="0" smtClean="0"/>
-              <a:t>API</a:t>
-            </a:r>
-            <a:endParaRPr lang="zh-CN" altLang="en-US" sz="1050" b="1" dirty="0"/>
           </a:p>
         </p:txBody>
       </p:sp>
@@ -10967,8 +10553,8 @@
         </p:nvSpPr>
         <p:spPr>
           <a:xfrm>
-            <a:off x="6027420" y="3992880"/>
-            <a:ext cx="1089660" cy="1432560"/>
+            <a:off x="6027420" y="3899240"/>
+            <a:ext cx="1089660" cy="1518284"/>
           </a:xfrm>
           <a:prstGeom prst="rect">
             <a:avLst/>
@@ -11003,6 +10589,563 @@
           <a:p>
             <a:pPr algn="ctr"/>
             <a:endParaRPr lang="zh-CN" altLang="en-US"/>
+          </a:p>
+        </p:txBody>
+      </p:sp>
+      <p:sp>
+        <p:nvSpPr>
+          <p:cNvPr id="61" name="Rectangle 60"/>
+          <p:cNvSpPr/>
+          <p:nvPr/>
+        </p:nvSpPr>
+        <p:spPr>
+          <a:xfrm>
+            <a:off x="2601641" y="3863670"/>
+            <a:ext cx="531173" cy="540605"/>
+          </a:xfrm>
+          <a:prstGeom prst="rect">
+            <a:avLst/>
+          </a:prstGeom>
+        </p:spPr>
+        <p:style>
+          <a:lnRef idx="2">
+            <a:schemeClr val="accent1">
+              <a:shade val="50000"/>
+            </a:schemeClr>
+          </a:lnRef>
+          <a:fillRef idx="1">
+            <a:schemeClr val="accent1"/>
+          </a:fillRef>
+          <a:effectRef idx="0">
+            <a:schemeClr val="accent1"/>
+          </a:effectRef>
+          <a:fontRef idx="minor">
+            <a:schemeClr val="lt1"/>
+          </a:fontRef>
+        </p:style>
+        <p:txBody>
+          <a:bodyPr rtlCol="0" anchor="ctr"/>
+          <a:lstStyle/>
+          <a:p>
+            <a:pPr algn="ctr"/>
+            <a:r>
+              <a:rPr lang="en-US" altLang="zh-CN" sz="900" b="1" dirty="0" smtClean="0"/>
+              <a:t>AVM/MOD </a:t>
+            </a:r>
+            <a:r>
+              <a:rPr lang="en-US" altLang="zh-CN" sz="800" b="1" dirty="0" smtClean="0"/>
+              <a:t>State</a:t>
+            </a:r>
+            <a:endParaRPr lang="zh-CN" altLang="en-US" sz="900" b="1" dirty="0"/>
+          </a:p>
+        </p:txBody>
+      </p:sp>
+      <p:grpSp>
+        <p:nvGrpSpPr>
+          <p:cNvPr id="2" name="Group 1"/>
+          <p:cNvGrpSpPr/>
+          <p:nvPr/>
+        </p:nvGrpSpPr>
+        <p:grpSpPr>
+          <a:xfrm>
+            <a:off x="7215527" y="2474380"/>
+            <a:ext cx="687286" cy="3261791"/>
+            <a:chOff x="7199414" y="2446020"/>
+            <a:chExt cx="687286" cy="3261791"/>
+          </a:xfrm>
+        </p:grpSpPr>
+        <p:grpSp>
+          <p:nvGrpSpPr>
+            <p:cNvPr id="211" name="Group 210"/>
+            <p:cNvGrpSpPr/>
+            <p:nvPr/>
+          </p:nvGrpSpPr>
+          <p:grpSpPr>
+            <a:xfrm>
+              <a:off x="7199414" y="2446020"/>
+              <a:ext cx="687286" cy="2781300"/>
+              <a:chOff x="6940334" y="2430780"/>
+              <a:chExt cx="687286" cy="2933700"/>
+            </a:xfrm>
+          </p:grpSpPr>
+          <p:sp>
+            <p:nvSpPr>
+              <p:cNvPr id="203" name="Rectangle 202"/>
+              <p:cNvSpPr/>
+              <p:nvPr/>
+            </p:nvSpPr>
+            <p:spPr>
+              <a:xfrm>
+                <a:off x="6955574" y="2430780"/>
+                <a:ext cx="664426" cy="411480"/>
+              </a:xfrm>
+              <a:prstGeom prst="rect">
+                <a:avLst/>
+              </a:prstGeom>
+            </p:spPr>
+            <p:style>
+              <a:lnRef idx="2">
+                <a:schemeClr val="accent1">
+                  <a:shade val="50000"/>
+                </a:schemeClr>
+              </a:lnRef>
+              <a:fillRef idx="1">
+                <a:schemeClr val="accent1"/>
+              </a:fillRef>
+              <a:effectRef idx="0">
+                <a:schemeClr val="accent1"/>
+              </a:effectRef>
+              <a:fontRef idx="minor">
+                <a:schemeClr val="lt1"/>
+              </a:fontRef>
+            </p:style>
+            <p:txBody>
+              <a:bodyPr rtlCol="0" anchor="ctr"/>
+              <a:lstStyle/>
+              <a:p>
+                <a:pPr algn="ctr"/>
+                <a:r>
+                  <a:rPr lang="en-US" altLang="zh-CN" sz="700" b="1" dirty="0" smtClean="0"/>
+                  <a:t>Common</a:t>
+                </a:r>
+              </a:p>
+              <a:p>
+                <a:pPr algn="ctr"/>
+                <a:r>
+                  <a:rPr lang="en-US" altLang="zh-CN" sz="700" b="1" dirty="0" smtClean="0"/>
+                  <a:t>app framework</a:t>
+                </a:r>
+                <a:endParaRPr lang="en-US" altLang="zh-CN" sz="900" b="1" dirty="0" smtClean="0"/>
+              </a:p>
+            </p:txBody>
+          </p:sp>
+          <p:sp>
+            <p:nvSpPr>
+              <p:cNvPr id="204" name="Rectangle 203"/>
+              <p:cNvSpPr/>
+              <p:nvPr/>
+            </p:nvSpPr>
+            <p:spPr>
+              <a:xfrm>
+                <a:off x="6955574" y="2893696"/>
+                <a:ext cx="656806" cy="443864"/>
+              </a:xfrm>
+              <a:prstGeom prst="rect">
+                <a:avLst/>
+              </a:prstGeom>
+            </p:spPr>
+            <p:style>
+              <a:lnRef idx="2">
+                <a:schemeClr val="accent1">
+                  <a:shade val="50000"/>
+                </a:schemeClr>
+              </a:lnRef>
+              <a:fillRef idx="1">
+                <a:schemeClr val="accent1"/>
+              </a:fillRef>
+              <a:effectRef idx="0">
+                <a:schemeClr val="accent1"/>
+              </a:effectRef>
+              <a:fontRef idx="minor">
+                <a:schemeClr val="lt1"/>
+              </a:fontRef>
+            </p:style>
+            <p:txBody>
+              <a:bodyPr rtlCol="0" anchor="ctr"/>
+              <a:lstStyle/>
+              <a:p>
+                <a:pPr algn="ctr"/>
+                <a:r>
+                  <a:rPr lang="en-US" altLang="zh-CN" sz="800" b="1" dirty="0" err="1" smtClean="0"/>
+                  <a:t>Runnable</a:t>
+                </a:r>
+                <a:endParaRPr lang="zh-CN" altLang="en-US" sz="1050" b="1" dirty="0"/>
+              </a:p>
+            </p:txBody>
+          </p:sp>
+          <p:sp>
+            <p:nvSpPr>
+              <p:cNvPr id="205" name="Rectangle 204"/>
+              <p:cNvSpPr/>
+              <p:nvPr/>
+            </p:nvSpPr>
+            <p:spPr>
+              <a:xfrm>
+                <a:off x="6940334" y="3388996"/>
+                <a:ext cx="664426" cy="443864"/>
+              </a:xfrm>
+              <a:prstGeom prst="rect">
+                <a:avLst/>
+              </a:prstGeom>
+            </p:spPr>
+            <p:style>
+              <a:lnRef idx="2">
+                <a:schemeClr val="accent1">
+                  <a:shade val="50000"/>
+                </a:schemeClr>
+              </a:lnRef>
+              <a:fillRef idx="1">
+                <a:schemeClr val="accent1"/>
+              </a:fillRef>
+              <a:effectRef idx="0">
+                <a:schemeClr val="accent1"/>
+              </a:effectRef>
+              <a:fontRef idx="minor">
+                <a:schemeClr val="lt1"/>
+              </a:fontRef>
+            </p:style>
+            <p:txBody>
+              <a:bodyPr rtlCol="0" anchor="ctr"/>
+              <a:lstStyle/>
+              <a:p>
+                <a:pPr algn="ctr"/>
+                <a:r>
+                  <a:rPr lang="en-US" altLang="zh-CN" sz="900" b="1" dirty="0" smtClean="0"/>
+                  <a:t>Event</a:t>
+                </a:r>
+                <a:endParaRPr lang="zh-CN" altLang="en-US" sz="900" b="1" dirty="0"/>
+              </a:p>
+            </p:txBody>
+          </p:sp>
+          <p:sp>
+            <p:nvSpPr>
+              <p:cNvPr id="206" name="Rectangle 205"/>
+              <p:cNvSpPr/>
+              <p:nvPr/>
+            </p:nvSpPr>
+            <p:spPr>
+              <a:xfrm>
+                <a:off x="6947954" y="3907156"/>
+                <a:ext cx="679666" cy="443864"/>
+              </a:xfrm>
+              <a:prstGeom prst="rect">
+                <a:avLst/>
+              </a:prstGeom>
+            </p:spPr>
+            <p:style>
+              <a:lnRef idx="2">
+                <a:schemeClr val="accent1">
+                  <a:shade val="50000"/>
+                </a:schemeClr>
+              </a:lnRef>
+              <a:fillRef idx="1">
+                <a:schemeClr val="accent1"/>
+              </a:fillRef>
+              <a:effectRef idx="0">
+                <a:schemeClr val="accent1"/>
+              </a:effectRef>
+              <a:fontRef idx="minor">
+                <a:schemeClr val="lt1"/>
+              </a:fontRef>
+            </p:style>
+            <p:txBody>
+              <a:bodyPr rtlCol="0" anchor="ctr"/>
+              <a:lstStyle/>
+              <a:p>
+                <a:pPr algn="ctr"/>
+                <a:endParaRPr lang="en-US" altLang="zh-CN" sz="700" b="1" dirty="0" smtClean="0"/>
+              </a:p>
+              <a:p>
+                <a:pPr algn="ctr"/>
+                <a:r>
+                  <a:rPr lang="en-US" altLang="zh-CN" sz="700" b="1" dirty="0" smtClean="0"/>
+                  <a:t>Timer</a:t>
+                </a:r>
+                <a:endParaRPr lang="zh-CN" altLang="en-US" sz="700" b="1" dirty="0"/>
+              </a:p>
+            </p:txBody>
+          </p:sp>
+          <p:sp>
+            <p:nvSpPr>
+              <p:cNvPr id="207" name="Rectangle 206"/>
+              <p:cNvSpPr/>
+              <p:nvPr/>
+            </p:nvSpPr>
+            <p:spPr>
+              <a:xfrm>
+                <a:off x="6947954" y="4417696"/>
+                <a:ext cx="679666" cy="443864"/>
+              </a:xfrm>
+              <a:prstGeom prst="rect">
+                <a:avLst/>
+              </a:prstGeom>
+            </p:spPr>
+            <p:style>
+              <a:lnRef idx="2">
+                <a:schemeClr val="accent1">
+                  <a:shade val="50000"/>
+                </a:schemeClr>
+              </a:lnRef>
+              <a:fillRef idx="1">
+                <a:schemeClr val="accent1"/>
+              </a:fillRef>
+              <a:effectRef idx="0">
+                <a:schemeClr val="accent1"/>
+              </a:effectRef>
+              <a:fontRef idx="minor">
+                <a:schemeClr val="lt1"/>
+              </a:fontRef>
+            </p:style>
+            <p:txBody>
+              <a:bodyPr rtlCol="0" anchor="ctr"/>
+              <a:lstStyle/>
+              <a:p>
+                <a:pPr algn="ctr"/>
+                <a:endParaRPr lang="en-US" altLang="zh-CN" sz="700" b="1" dirty="0" smtClean="0"/>
+              </a:p>
+              <a:p>
+                <a:pPr algn="ctr"/>
+                <a:r>
+                  <a:rPr lang="en-US" altLang="zh-CN" sz="700" b="1" dirty="0" smtClean="0"/>
+                  <a:t>Queue</a:t>
+                </a:r>
+                <a:endParaRPr lang="zh-CN" altLang="en-US" sz="700" b="1" dirty="0"/>
+              </a:p>
+            </p:txBody>
+          </p:sp>
+          <p:sp>
+            <p:nvSpPr>
+              <p:cNvPr id="208" name="Rectangle 207"/>
+              <p:cNvSpPr/>
+              <p:nvPr/>
+            </p:nvSpPr>
+            <p:spPr>
+              <a:xfrm>
+                <a:off x="6947954" y="4920616"/>
+                <a:ext cx="672046" cy="443864"/>
+              </a:xfrm>
+              <a:prstGeom prst="rect">
+                <a:avLst/>
+              </a:prstGeom>
+            </p:spPr>
+            <p:style>
+              <a:lnRef idx="2">
+                <a:schemeClr val="accent1">
+                  <a:shade val="50000"/>
+                </a:schemeClr>
+              </a:lnRef>
+              <a:fillRef idx="1">
+                <a:schemeClr val="accent1"/>
+              </a:fillRef>
+              <a:effectRef idx="0">
+                <a:schemeClr val="accent1"/>
+              </a:effectRef>
+              <a:fontRef idx="minor">
+                <a:schemeClr val="lt1"/>
+              </a:fontRef>
+            </p:style>
+            <p:txBody>
+              <a:bodyPr rtlCol="0" anchor="ctr"/>
+              <a:lstStyle/>
+              <a:p>
+                <a:pPr algn="ctr"/>
+                <a:endParaRPr lang="en-US" altLang="zh-CN" sz="700" b="1" dirty="0" smtClean="0"/>
+              </a:p>
+              <a:p>
+                <a:pPr algn="ctr"/>
+                <a:r>
+                  <a:rPr lang="en-US" altLang="zh-CN" sz="700" b="1" dirty="0" err="1" smtClean="0"/>
+                  <a:t>Msg</a:t>
+                </a:r>
+                <a:endParaRPr lang="en-US" altLang="zh-CN" sz="700" b="1" dirty="0" smtClean="0"/>
+              </a:p>
+              <a:p>
+                <a:pPr algn="ctr"/>
+                <a:r>
+                  <a:rPr lang="en-US" altLang="zh-CN" sz="700" b="1" dirty="0" smtClean="0"/>
+                  <a:t>Handler</a:t>
+                </a:r>
+                <a:endParaRPr lang="zh-CN" altLang="en-US" sz="700" b="1" dirty="0"/>
+              </a:p>
+            </p:txBody>
+          </p:sp>
+        </p:grpSp>
+        <p:sp>
+          <p:nvSpPr>
+            <p:cNvPr id="62" name="Rectangle 61"/>
+            <p:cNvSpPr/>
+            <p:nvPr/>
+          </p:nvSpPr>
+          <p:spPr>
+            <a:xfrm>
+              <a:off x="7207034" y="5287005"/>
+              <a:ext cx="679666" cy="420806"/>
+            </a:xfrm>
+            <a:prstGeom prst="rect">
+              <a:avLst/>
+            </a:prstGeom>
+          </p:spPr>
+          <p:style>
+            <a:lnRef idx="2">
+              <a:schemeClr val="accent1">
+                <a:shade val="50000"/>
+              </a:schemeClr>
+            </a:lnRef>
+            <a:fillRef idx="1">
+              <a:schemeClr val="accent1"/>
+            </a:fillRef>
+            <a:effectRef idx="0">
+              <a:schemeClr val="accent1"/>
+            </a:effectRef>
+            <a:fontRef idx="minor">
+              <a:schemeClr val="lt1"/>
+            </a:fontRef>
+          </p:style>
+          <p:txBody>
+            <a:bodyPr rtlCol="0" anchor="ctr"/>
+            <a:lstStyle/>
+            <a:p>
+              <a:pPr algn="ctr"/>
+              <a:endParaRPr lang="en-US" altLang="zh-CN" sz="700" b="1" dirty="0" smtClean="0"/>
+            </a:p>
+            <a:p>
+              <a:pPr algn="ctr"/>
+              <a:r>
+                <a:rPr lang="en-US" altLang="zh-CN" sz="700" b="1" dirty="0" smtClean="0"/>
+                <a:t>State</a:t>
+              </a:r>
+              <a:endParaRPr lang="zh-CN" altLang="en-US" sz="700" b="1" dirty="0"/>
+            </a:p>
+          </p:txBody>
+        </p:sp>
+      </p:grpSp>
+      <p:sp>
+        <p:nvSpPr>
+          <p:cNvPr id="55" name="Rectangle 54"/>
+          <p:cNvSpPr/>
+          <p:nvPr/>
+        </p:nvSpPr>
+        <p:spPr>
+          <a:xfrm>
+            <a:off x="7117080" y="2436496"/>
+            <a:ext cx="891540" cy="426720"/>
+          </a:xfrm>
+          <a:prstGeom prst="rect">
+            <a:avLst/>
+          </a:prstGeom>
+          <a:solidFill>
+            <a:srgbClr val="C00000"/>
+          </a:solidFill>
+        </p:spPr>
+        <p:style>
+          <a:lnRef idx="2">
+            <a:schemeClr val="accent1">
+              <a:shade val="50000"/>
+            </a:schemeClr>
+          </a:lnRef>
+          <a:fillRef idx="1">
+            <a:schemeClr val="accent1"/>
+          </a:fillRef>
+          <a:effectRef idx="0">
+            <a:schemeClr val="accent1"/>
+          </a:effectRef>
+          <a:fontRef idx="minor">
+            <a:schemeClr val="lt1"/>
+          </a:fontRef>
+        </p:style>
+        <p:txBody>
+          <a:bodyPr rtlCol="0" anchor="ctr"/>
+          <a:lstStyle/>
+          <a:p>
+            <a:pPr algn="ctr"/>
+            <a:r>
+              <a:rPr lang="en-US" altLang="zh-CN" sz="800" b="1" dirty="0" smtClean="0"/>
+              <a:t>Presentation Core</a:t>
+            </a:r>
+            <a:endParaRPr lang="zh-CN" altLang="en-US" sz="800" b="1" dirty="0"/>
+          </a:p>
+        </p:txBody>
+      </p:sp>
+      <p:sp>
+        <p:nvSpPr>
+          <p:cNvPr id="64" name="Rectangle 63"/>
+          <p:cNvSpPr/>
+          <p:nvPr/>
+        </p:nvSpPr>
+        <p:spPr>
+          <a:xfrm>
+            <a:off x="2000292" y="3872511"/>
+            <a:ext cx="568430" cy="419747"/>
+          </a:xfrm>
+          <a:prstGeom prst="rect">
+            <a:avLst/>
+          </a:prstGeom>
+        </p:spPr>
+        <p:style>
+          <a:lnRef idx="2">
+            <a:schemeClr val="accent1">
+              <a:shade val="50000"/>
+            </a:schemeClr>
+          </a:lnRef>
+          <a:fillRef idx="1">
+            <a:schemeClr val="accent1"/>
+          </a:fillRef>
+          <a:effectRef idx="0">
+            <a:schemeClr val="accent1"/>
+          </a:effectRef>
+          <a:fontRef idx="minor">
+            <a:schemeClr val="lt1"/>
+          </a:fontRef>
+        </p:style>
+        <p:txBody>
+          <a:bodyPr rtlCol="0" anchor="ctr"/>
+          <a:lstStyle/>
+          <a:p>
+            <a:pPr algn="ctr"/>
+            <a:r>
+              <a:rPr lang="en-US" altLang="zh-CN" sz="900" b="1" dirty="0" smtClean="0"/>
+              <a:t>Park</a:t>
+            </a:r>
+          </a:p>
+          <a:p>
+            <a:pPr algn="ctr"/>
+            <a:r>
+              <a:rPr lang="en-US" altLang="zh-CN" sz="900" b="1" dirty="0" smtClean="0"/>
+              <a:t>Assist </a:t>
+            </a:r>
+            <a:r>
+              <a:rPr lang="en-US" altLang="zh-CN" sz="800" b="1" dirty="0" smtClean="0"/>
+              <a:t>State</a:t>
+            </a:r>
+            <a:endParaRPr lang="zh-CN" altLang="en-US" sz="900" b="1" dirty="0"/>
+          </a:p>
+        </p:txBody>
+      </p:sp>
+      <p:sp>
+        <p:nvSpPr>
+          <p:cNvPr id="3" name="TextBox 2"/>
+          <p:cNvSpPr txBox="1"/>
+          <p:nvPr/>
+        </p:nvSpPr>
+        <p:spPr>
+          <a:xfrm>
+            <a:off x="3056200" y="3307080"/>
+            <a:ext cx="309198" cy="369332"/>
+          </a:xfrm>
+          <a:prstGeom prst="rect">
+            <a:avLst/>
+          </a:prstGeom>
+          <a:noFill/>
+        </p:spPr>
+        <p:txBody>
+          <a:bodyPr wrap="square" rtlCol="0">
+            <a:spAutoFit/>
+          </a:bodyPr>
+          <a:lstStyle/>
+          <a:p>
+            <a:r>
+              <a:rPr lang="en-US" b="1" dirty="0" smtClean="0">
+                <a:solidFill>
+                  <a:schemeClr val="tx2"/>
+                </a:solidFill>
+              </a:rPr>
+              <a:t>…</a:t>
+            </a:r>
+            <a:endParaRPr lang="en-US" b="1" dirty="0">
+              <a:solidFill>
+                <a:schemeClr val="tx2"/>
+              </a:solidFill>
+            </a:endParaRPr>
           </a:p>
         </p:txBody>
       </p:sp>
@@ -12094,15 +12237,7 @@
                   <a:schemeClr val="tx1"/>
                 </a:solidFill>
               </a:rPr>
-              <a:t>case </a:t>
-            </a:r>
-            <a:r>
-              <a:rPr lang="en-US" altLang="zh-CN" smtClean="0">
-                <a:solidFill>
-                  <a:schemeClr val="tx1"/>
-                </a:solidFill>
-              </a:rPr>
-              <a:t>client</a:t>
+              <a:t>case client</a:t>
             </a:r>
             <a:endParaRPr lang="en-US" altLang="zh-CN" dirty="0" smtClean="0">
               <a:solidFill>
@@ -20296,12 +20431,12 @@
 </file>
 
 <file path=customXml/item1.xml><?xml version="1.0" encoding="utf-8"?>
-<p:properties xmlns:p="http://schemas.microsoft.com/office/2006/metadata/properties" xmlns:xsi="http://www.w3.org/2001/XMLSchema-instance" xmlns:pc="http://schemas.microsoft.com/office/infopath/2007/PartnerControls">
-  <documentManagement>
-    <PublishingExpirationDate xmlns="http://schemas.microsoft.com/sharepoint/v3" xsi:nil="true"/>
-    <PublishingStartDate xmlns="http://schemas.microsoft.com/sharepoint/v3" xsi:nil="true"/>
-  </documentManagement>
-</p:properties>
+<?mso-contentType ?>
+<FormTemplates xmlns="http://schemas.microsoft.com/sharepoint/v3/contenttype/forms">
+  <Display>DocumentLibraryForm</Display>
+  <Edit>DocumentLibraryForm</Edit>
+  <New>DocumentLibraryForm</New>
+</FormTemplates>
 </file>
 
 <file path=customXml/item2.xml><?xml version="1.0" encoding="utf-8"?>
@@ -20437,26 +20572,18 @@
 </file>
 
 <file path=customXml/item3.xml><?xml version="1.0" encoding="utf-8"?>
-<?mso-contentType ?>
-<FormTemplates xmlns="http://schemas.microsoft.com/sharepoint/v3/contenttype/forms">
-  <Display>DocumentLibraryForm</Display>
-  <Edit>DocumentLibraryForm</Edit>
-  <New>DocumentLibraryForm</New>
-</FormTemplates>
+<p:properties xmlns:p="http://schemas.microsoft.com/office/2006/metadata/properties" xmlns:xsi="http://www.w3.org/2001/XMLSchema-instance" xmlns:pc="http://schemas.microsoft.com/office/infopath/2007/PartnerControls">
+  <documentManagement>
+    <PublishingExpirationDate xmlns="http://schemas.microsoft.com/sharepoint/v3" xsi:nil="true"/>
+    <PublishingStartDate xmlns="http://schemas.microsoft.com/sharepoint/v3" xsi:nil="true"/>
+  </documentManagement>
+</p:properties>
 </file>
 
 <file path=customXml/itemProps1.xml><?xml version="1.0" encoding="utf-8"?>
-<ds:datastoreItem xmlns:ds="http://schemas.openxmlformats.org/officeDocument/2006/customXml" ds:itemID="{76F7CE89-240D-405D-A12D-C95B54F43B60}">
+<ds:datastoreItem xmlns:ds="http://schemas.openxmlformats.org/officeDocument/2006/customXml" ds:itemID="{E70D58A2-FE7A-4158-9538-06C6310A6DDA}">
   <ds:schemaRefs>
-    <ds:schemaRef ds:uri="http://purl.org/dc/dcmitype/"/>
-    <ds:schemaRef ds:uri="http://schemas.microsoft.com/office/infopath/2007/PartnerControls"/>
-    <ds:schemaRef ds:uri="http://purl.org/dc/elements/1.1/"/>
-    <ds:schemaRef ds:uri="http://schemas.microsoft.com/office/2006/metadata/properties"/>
-    <ds:schemaRef ds:uri="http://schemas.microsoft.com/office/2006/documentManagement/types"/>
-    <ds:schemaRef ds:uri="http://schemas.microsoft.com/sharepoint/v3"/>
-    <ds:schemaRef ds:uri="http://purl.org/dc/terms/"/>
-    <ds:schemaRef ds:uri="http://schemas.openxmlformats.org/package/2006/metadata/core-properties"/>
-    <ds:schemaRef ds:uri="http://www.w3.org/XML/1998/namespace"/>
+    <ds:schemaRef ds:uri="http://schemas.microsoft.com/sharepoint/v3/contenttype/forms"/>
   </ds:schemaRefs>
 </ds:datastoreItem>
 </file>
@@ -20480,9 +20607,17 @@
 </file>
 
 <file path=customXml/itemProps3.xml><?xml version="1.0" encoding="utf-8"?>
-<ds:datastoreItem xmlns:ds="http://schemas.openxmlformats.org/officeDocument/2006/customXml" ds:itemID="{E70D58A2-FE7A-4158-9538-06C6310A6DDA}">
+<ds:datastoreItem xmlns:ds="http://schemas.openxmlformats.org/officeDocument/2006/customXml" ds:itemID="{76F7CE89-240D-405D-A12D-C95B54F43B60}">
   <ds:schemaRefs>
-    <ds:schemaRef ds:uri="http://schemas.microsoft.com/sharepoint/v3/contenttype/forms"/>
+    <ds:schemaRef ds:uri="http://purl.org/dc/dcmitype/"/>
+    <ds:schemaRef ds:uri="http://schemas.microsoft.com/office/infopath/2007/PartnerControls"/>
+    <ds:schemaRef ds:uri="http://purl.org/dc/elements/1.1/"/>
+    <ds:schemaRef ds:uri="http://schemas.microsoft.com/office/2006/metadata/properties"/>
+    <ds:schemaRef ds:uri="http://schemas.microsoft.com/office/2006/documentManagement/types"/>
+    <ds:schemaRef ds:uri="http://schemas.microsoft.com/sharepoint/v3"/>
+    <ds:schemaRef ds:uri="http://purl.org/dc/terms/"/>
+    <ds:schemaRef ds:uri="http://schemas.openxmlformats.org/package/2006/metadata/core-properties"/>
+    <ds:schemaRef ds:uri="http://www.w3.org/XML/1998/namespace"/>
   </ds:schemaRefs>
 </ds:datastoreItem>
 </file>
--- a/000_Framework/init_slice.pptx
+++ b/000_Framework/init_slice.pptx
@@ -8239,7 +8239,13 @@
           <p:cNvGraphicFramePr>
             <a:graphicFrameLocks noGrp="1"/>
           </p:cNvGraphicFramePr>
-          <p:nvPr/>
+          <p:nvPr>
+            <p:extLst>
+              <p:ext uri="{D42A27DB-BD31-4B8C-83A1-F6EECF244321}">
+                <p14:modId xmlns:p14="http://schemas.microsoft.com/office/powerpoint/2010/main" val="21002093"/>
+              </p:ext>
+            </p:extLst>
+          </p:nvPr>
         </p:nvGraphicFramePr>
         <p:xfrm>
           <a:off x="113408" y="1547940"/>
@@ -8314,7 +8320,7 @@
                   </a:txBody>
                   <a:tcPr marT="44408" marB="44408" anchor="ctr">
                     <a:solidFill>
-                      <a:srgbClr val="C00000"/>
+                      <a:schemeClr val="bg1"/>
                     </a:solidFill>
                   </a:tcPr>
                 </a:tc>
@@ -8460,6 +8466,12 @@
           <a:prstGeom prst="rect">
             <a:avLst/>
           </a:prstGeom>
+          <a:solidFill>
+            <a:schemeClr val="tx2">
+              <a:lumMod val="20000"/>
+              <a:lumOff val="80000"/>
+            </a:schemeClr>
+          </a:solidFill>
         </p:spPr>
         <p:style>
           <a:lnRef idx="1">
@@ -8814,7 +8826,7 @@
         </p:nvSpPr>
         <p:spPr>
           <a:xfrm>
-            <a:off x="3423307" y="3354742"/>
+            <a:off x="3415356" y="3346791"/>
             <a:ext cx="480356" cy="443864"/>
           </a:xfrm>
           <a:prstGeom prst="rect">
@@ -8968,7 +8980,7 @@
         </p:nvSpPr>
         <p:spPr>
           <a:xfrm>
-            <a:off x="857626" y="2869965"/>
+            <a:off x="857626" y="2877916"/>
             <a:ext cx="3035383" cy="429495"/>
           </a:xfrm>
           <a:prstGeom prst="rect">
@@ -10380,57 +10392,6 @@
       </p:sp>
       <p:sp>
         <p:nvSpPr>
-          <p:cNvPr id="56" name="Rectangle 55"/>
-          <p:cNvSpPr/>
-          <p:nvPr/>
-        </p:nvSpPr>
-        <p:spPr>
-          <a:xfrm>
-            <a:off x="2933699" y="2897346"/>
-            <a:ext cx="931295" cy="386212"/>
-          </a:xfrm>
-          <a:prstGeom prst="rect">
-            <a:avLst/>
-          </a:prstGeom>
-          <a:solidFill>
-            <a:srgbClr val="C00000"/>
-          </a:solidFill>
-        </p:spPr>
-        <p:style>
-          <a:lnRef idx="2">
-            <a:schemeClr val="accent1">
-              <a:shade val="50000"/>
-            </a:schemeClr>
-          </a:lnRef>
-          <a:fillRef idx="1">
-            <a:schemeClr val="accent1"/>
-          </a:fillRef>
-          <a:effectRef idx="0">
-            <a:schemeClr val="accent1"/>
-          </a:effectRef>
-          <a:fontRef idx="minor">
-            <a:schemeClr val="lt1"/>
-          </a:fontRef>
-        </p:style>
-        <p:txBody>
-          <a:bodyPr rtlCol="0" anchor="ctr"/>
-          <a:lstStyle/>
-          <a:p>
-            <a:pPr algn="ctr"/>
-            <a:r>
-              <a:rPr lang="en-US" altLang="zh-CN" sz="800" b="1" dirty="0" smtClean="0"/>
-              <a:t>Presentation </a:t>
-            </a:r>
-            <a:r>
-              <a:rPr lang="en-US" altLang="zh-CN" sz="800" b="1" dirty="0" smtClean="0"/>
-              <a:t>Controller</a:t>
-            </a:r>
-            <a:endParaRPr lang="zh-CN" altLang="en-US" sz="800" b="1" dirty="0"/>
-          </a:p>
-        </p:txBody>
-      </p:sp>
-      <p:sp>
-        <p:nvSpPr>
           <p:cNvPr id="57" name="Rectangle 56"/>
           <p:cNvSpPr/>
           <p:nvPr/>
@@ -10492,15 +10453,12 @@
         </p:nvSpPr>
         <p:spPr>
           <a:xfrm>
-            <a:off x="8176260" y="3893820"/>
+            <a:off x="8168309" y="3885869"/>
             <a:ext cx="807720" cy="541020"/>
           </a:xfrm>
           <a:prstGeom prst="rect">
             <a:avLst/>
           </a:prstGeom>
-          <a:solidFill>
-            <a:srgbClr val="C00000"/>
-          </a:solidFill>
         </p:spPr>
         <p:style>
           <a:lnRef idx="2">
@@ -10524,24 +10482,17 @@
           <a:p>
             <a:pPr algn="ctr"/>
             <a:r>
-              <a:rPr lang="en-US" altLang="zh-CN" sz="1050" b="1" dirty="0" smtClean="0"/>
+              <a:rPr lang="en-US" altLang="zh-CN" sz="800" b="1" dirty="0"/>
               <a:t>Mocker</a:t>
             </a:r>
           </a:p>
           <a:p>
             <a:pPr algn="ctr"/>
             <a:r>
-              <a:rPr lang="en-US" altLang="zh-CN" sz="1050" b="1" dirty="0" smtClean="0"/>
-              <a:t>Common</a:t>
-            </a:r>
-          </a:p>
-          <a:p>
-            <a:pPr algn="ctr"/>
-            <a:r>
-              <a:rPr lang="en-US" altLang="zh-CN" sz="1050" b="1" dirty="0" smtClean="0"/>
-              <a:t>API</a:t>
-            </a:r>
-            <a:endParaRPr lang="zh-CN" altLang="en-US" sz="1050" b="1" dirty="0"/>
+              <a:rPr lang="en-US" altLang="zh-CN" sz="800" b="1" dirty="0"/>
+              <a:t>IPC/API</a:t>
+            </a:r>
+            <a:endParaRPr lang="zh-CN" altLang="en-US" sz="800" b="1" dirty="0"/>
           </a:p>
         </p:txBody>
       </p:sp>
@@ -10600,8 +10551,8 @@
         </p:nvSpPr>
         <p:spPr>
           <a:xfrm>
-            <a:off x="2601641" y="3863670"/>
-            <a:ext cx="531173" cy="540605"/>
+            <a:off x="2620245" y="3864689"/>
+            <a:ext cx="494123" cy="467128"/>
           </a:xfrm>
           <a:prstGeom prst="rect">
             <a:avLst/>
@@ -10648,10 +10599,10 @@
         </p:nvGrpSpPr>
         <p:grpSpPr>
           <a:xfrm>
-            <a:off x="7215527" y="2474380"/>
-            <a:ext cx="687286" cy="3261791"/>
-            <a:chOff x="7199414" y="2446020"/>
-            <a:chExt cx="687286" cy="3261791"/>
+            <a:off x="7187979" y="2474380"/>
+            <a:ext cx="714834" cy="2785266"/>
+            <a:chOff x="7171866" y="2446020"/>
+            <a:chExt cx="714834" cy="2785266"/>
           </a:xfrm>
         </p:grpSpPr>
         <p:grpSp>
@@ -10662,10 +10613,10 @@
           </p:nvGrpSpPr>
           <p:grpSpPr>
             <a:xfrm>
-              <a:off x="7199414" y="2446020"/>
-              <a:ext cx="687286" cy="2781300"/>
-              <a:chOff x="6940334" y="2430780"/>
-              <a:chExt cx="687286" cy="2933700"/>
+              <a:off x="7171866" y="2446020"/>
+              <a:ext cx="714834" cy="2543997"/>
+              <a:chOff x="6912786" y="2430780"/>
+              <a:chExt cx="714834" cy="2683394"/>
             </a:xfrm>
           </p:grpSpPr>
           <p:sp>
@@ -10727,8 +10678,8 @@
             </p:nvSpPr>
             <p:spPr>
               <a:xfrm>
-                <a:off x="6955574" y="2893696"/>
-                <a:ext cx="656806" cy="443864"/>
+                <a:off x="6912786" y="2893696"/>
+                <a:ext cx="699594" cy="443864"/>
               </a:xfrm>
               <a:prstGeom prst="rect">
                 <a:avLst/>
@@ -10757,7 +10708,7 @@
                 <a:pPr algn="ctr"/>
                 <a:r>
                   <a:rPr lang="en-US" altLang="zh-CN" sz="800" b="1" dirty="0" err="1" smtClean="0"/>
-                  <a:t>Runnable</a:t>
+                  <a:t>Runable</a:t>
                 </a:r>
                 <a:endParaRPr lang="zh-CN" altLang="en-US" sz="1050" b="1" dirty="0"/>
               </a:p>
@@ -10772,7 +10723,7 @@
             <p:spPr>
               <a:xfrm>
                 <a:off x="6940334" y="3388996"/>
-                <a:ext cx="664426" cy="443864"/>
+                <a:ext cx="664426" cy="249386"/>
               </a:xfrm>
               <a:prstGeom prst="rect">
                 <a:avLst/>
@@ -10815,8 +10766,8 @@
             </p:nvSpPr>
             <p:spPr>
               <a:xfrm>
-                <a:off x="6947954" y="3907156"/>
-                <a:ext cx="679666" cy="443864"/>
+                <a:off x="6940003" y="3680707"/>
+                <a:ext cx="679666" cy="250768"/>
               </a:xfrm>
               <a:prstGeom prst="rect">
                 <a:avLst/>
@@ -10843,10 +10794,6 @@
               <a:lstStyle/>
               <a:p>
                 <a:pPr algn="ctr"/>
-                <a:endParaRPr lang="en-US" altLang="zh-CN" sz="700" b="1" dirty="0" smtClean="0"/>
-              </a:p>
-              <a:p>
-                <a:pPr algn="ctr"/>
                 <a:r>
                   <a:rPr lang="en-US" altLang="zh-CN" sz="700" b="1" dirty="0" smtClean="0"/>
                   <a:t>Timer</a:t>
@@ -10863,8 +10810,8 @@
             </p:nvSpPr>
             <p:spPr>
               <a:xfrm>
-                <a:off x="6947954" y="4417696"/>
-                <a:ext cx="679666" cy="443864"/>
+                <a:off x="6947954" y="4319115"/>
+                <a:ext cx="679666" cy="308301"/>
               </a:xfrm>
               <a:prstGeom prst="rect">
                 <a:avLst/>
@@ -10891,10 +10838,6 @@
               <a:lstStyle/>
               <a:p>
                 <a:pPr algn="ctr"/>
-                <a:endParaRPr lang="en-US" altLang="zh-CN" sz="700" b="1" dirty="0" smtClean="0"/>
-              </a:p>
-              <a:p>
-                <a:pPr algn="ctr"/>
                 <a:r>
                   <a:rPr lang="en-US" altLang="zh-CN" sz="700" b="1" dirty="0" smtClean="0"/>
                   <a:t>Queue</a:t>
@@ -10911,7 +10854,7 @@
             </p:nvSpPr>
             <p:spPr>
               <a:xfrm>
-                <a:off x="6947954" y="4920616"/>
+                <a:off x="6947954" y="4670310"/>
                 <a:ext cx="672046" cy="443864"/>
               </a:xfrm>
               <a:prstGeom prst="rect">
@@ -10939,10 +10882,6 @@
               <a:lstStyle/>
               <a:p>
                 <a:pPr algn="ctr"/>
-                <a:endParaRPr lang="en-US" altLang="zh-CN" sz="700" b="1" dirty="0" smtClean="0"/>
-              </a:p>
-              <a:p>
-                <a:pPr algn="ctr"/>
                 <a:r>
                   <a:rPr lang="en-US" altLang="zh-CN" sz="700" b="1" dirty="0" err="1" smtClean="0"/>
                   <a:t>Msg</a:t>
@@ -10968,8 +10907,8 @@
           </p:nvSpPr>
           <p:spPr>
             <a:xfrm>
-              <a:off x="7207034" y="5287005"/>
-              <a:ext cx="679666" cy="420806"/>
+              <a:off x="7199083" y="5055233"/>
+              <a:ext cx="679666" cy="176053"/>
             </a:xfrm>
             <a:prstGeom prst="rect">
               <a:avLst/>
@@ -10994,10 +10933,6 @@
           <p:txBody>
             <a:bodyPr rtlCol="0" anchor="ctr"/>
             <a:lstStyle/>
-            <a:p>
-              <a:pPr algn="ctr"/>
-              <a:endParaRPr lang="en-US" altLang="zh-CN" sz="700" b="1" dirty="0" smtClean="0"/>
-            </a:p>
             <a:p>
               <a:pPr algn="ctr"/>
               <a:r>
@@ -11146,6 +11081,736 @@
                 <a:schemeClr val="tx2"/>
               </a:solidFill>
             </a:endParaRPr>
+          </a:p>
+        </p:txBody>
+      </p:sp>
+      <p:sp>
+        <p:nvSpPr>
+          <p:cNvPr id="66" name="Rectangle 65"/>
+          <p:cNvSpPr/>
+          <p:nvPr/>
+        </p:nvSpPr>
+        <p:spPr>
+          <a:xfrm>
+            <a:off x="3408472" y="3850900"/>
+            <a:ext cx="513206" cy="467128"/>
+          </a:xfrm>
+          <a:prstGeom prst="rect">
+            <a:avLst/>
+          </a:prstGeom>
+        </p:spPr>
+        <p:style>
+          <a:lnRef idx="2">
+            <a:schemeClr val="accent1">
+              <a:shade val="50000"/>
+            </a:schemeClr>
+          </a:lnRef>
+          <a:fillRef idx="1">
+            <a:schemeClr val="accent1"/>
+          </a:fillRef>
+          <a:effectRef idx="0">
+            <a:schemeClr val="accent1"/>
+          </a:effectRef>
+          <a:fontRef idx="minor">
+            <a:schemeClr val="lt1"/>
+          </a:fontRef>
+        </p:style>
+        <p:txBody>
+          <a:bodyPr rtlCol="0" anchor="ctr"/>
+          <a:lstStyle/>
+          <a:p>
+            <a:pPr algn="ctr"/>
+            <a:r>
+              <a:rPr lang="en-US" altLang="zh-CN" sz="900" b="1" dirty="0" smtClean="0"/>
+              <a:t>signal </a:t>
+            </a:r>
+            <a:r>
+              <a:rPr lang="en-US" altLang="zh-CN" sz="800" b="1" dirty="0" smtClean="0"/>
+              <a:t>State</a:t>
+            </a:r>
+          </a:p>
+          <a:p>
+            <a:pPr algn="ctr"/>
+            <a:r>
+              <a:rPr lang="en-US" altLang="zh-CN" sz="800" b="1" dirty="0" smtClean="0"/>
+              <a:t>(driver)</a:t>
+            </a:r>
+            <a:endParaRPr lang="zh-CN" altLang="en-US" sz="900" b="1" dirty="0"/>
+          </a:p>
+        </p:txBody>
+      </p:sp>
+      <p:sp>
+        <p:nvSpPr>
+          <p:cNvPr id="67" name="Rectangle 66"/>
+          <p:cNvSpPr/>
+          <p:nvPr/>
+        </p:nvSpPr>
+        <p:spPr>
+          <a:xfrm>
+            <a:off x="7215527" y="3943991"/>
+            <a:ext cx="679666" cy="273755"/>
+          </a:xfrm>
+          <a:prstGeom prst="rect">
+            <a:avLst/>
+          </a:prstGeom>
+        </p:spPr>
+        <p:style>
+          <a:lnRef idx="2">
+            <a:schemeClr val="accent1">
+              <a:shade val="50000"/>
+            </a:schemeClr>
+          </a:lnRef>
+          <a:fillRef idx="1">
+            <a:schemeClr val="accent1"/>
+          </a:fillRef>
+          <a:effectRef idx="0">
+            <a:schemeClr val="accent1"/>
+          </a:effectRef>
+          <a:fontRef idx="minor">
+            <a:schemeClr val="lt1"/>
+          </a:fontRef>
+        </p:style>
+        <p:txBody>
+          <a:bodyPr rtlCol="0" anchor="ctr"/>
+          <a:lstStyle/>
+          <a:p>
+            <a:pPr algn="ctr"/>
+            <a:r>
+              <a:rPr lang="en-US" altLang="zh-CN" sz="700" b="1" dirty="0" smtClean="0"/>
+              <a:t>Observer</a:t>
+            </a:r>
+            <a:endParaRPr lang="zh-CN" altLang="en-US" sz="700" b="1" dirty="0"/>
+          </a:p>
+        </p:txBody>
+      </p:sp>
+      <p:sp>
+        <p:nvSpPr>
+          <p:cNvPr id="69" name="Rectangle 68"/>
+          <p:cNvSpPr/>
+          <p:nvPr/>
+        </p:nvSpPr>
+        <p:spPr>
+          <a:xfrm>
+            <a:off x="7207244" y="5316628"/>
+            <a:ext cx="687617" cy="240005"/>
+          </a:xfrm>
+          <a:prstGeom prst="rect">
+            <a:avLst/>
+          </a:prstGeom>
+        </p:spPr>
+        <p:style>
+          <a:lnRef idx="2">
+            <a:schemeClr val="accent1">
+              <a:shade val="50000"/>
+            </a:schemeClr>
+          </a:lnRef>
+          <a:fillRef idx="1">
+            <a:schemeClr val="accent1"/>
+          </a:fillRef>
+          <a:effectRef idx="0">
+            <a:schemeClr val="accent1"/>
+          </a:effectRef>
+          <a:fontRef idx="minor">
+            <a:schemeClr val="lt1"/>
+          </a:fontRef>
+        </p:style>
+        <p:txBody>
+          <a:bodyPr rtlCol="0" anchor="ctr"/>
+          <a:lstStyle/>
+          <a:p>
+            <a:pPr algn="ctr"/>
+            <a:r>
+              <a:rPr lang="en-US" altLang="zh-CN" sz="700" b="1" dirty="0" smtClean="0"/>
+              <a:t>State machine</a:t>
+            </a:r>
+            <a:endParaRPr lang="zh-CN" altLang="en-US" sz="700" b="1" dirty="0"/>
+          </a:p>
+        </p:txBody>
+      </p:sp>
+      <p:sp>
+        <p:nvSpPr>
+          <p:cNvPr id="4" name="Rounded Rectangle 3"/>
+          <p:cNvSpPr/>
+          <p:nvPr/>
+        </p:nvSpPr>
+        <p:spPr>
+          <a:xfrm>
+            <a:off x="118660" y="1483890"/>
+            <a:ext cx="8902308" cy="673065"/>
+          </a:xfrm>
+          <a:prstGeom prst="roundRect">
+            <a:avLst/>
+          </a:prstGeom>
+        </p:spPr>
+        <p:style>
+          <a:lnRef idx="1">
+            <a:schemeClr val="accent5"/>
+          </a:lnRef>
+          <a:fillRef idx="3">
+            <a:schemeClr val="accent5"/>
+          </a:fillRef>
+          <a:effectRef idx="2">
+            <a:schemeClr val="accent5"/>
+          </a:effectRef>
+          <a:fontRef idx="minor">
+            <a:schemeClr val="lt1"/>
+          </a:fontRef>
+        </p:style>
+        <p:txBody>
+          <a:bodyPr rtlCol="0" anchor="ctr"/>
+          <a:lstStyle/>
+          <a:p>
+            <a:pPr algn="ctr"/>
+            <a:endParaRPr lang="zh-CN" altLang="en-US" dirty="0"/>
+          </a:p>
+        </p:txBody>
+      </p:sp>
+      <p:sp>
+        <p:nvSpPr>
+          <p:cNvPr id="5" name="Rectangle 4"/>
+          <p:cNvSpPr/>
+          <p:nvPr/>
+        </p:nvSpPr>
+        <p:spPr>
+          <a:xfrm>
+            <a:off x="611100" y="1523810"/>
+            <a:ext cx="7953557" cy="224361"/>
+          </a:xfrm>
+          <a:prstGeom prst="rect">
+            <a:avLst/>
+          </a:prstGeom>
+        </p:spPr>
+        <p:style>
+          <a:lnRef idx="1">
+            <a:schemeClr val="accent1"/>
+          </a:lnRef>
+          <a:fillRef idx="3">
+            <a:schemeClr val="accent1"/>
+          </a:fillRef>
+          <a:effectRef idx="2">
+            <a:schemeClr val="accent1"/>
+          </a:effectRef>
+          <a:fontRef idx="minor">
+            <a:schemeClr val="lt1"/>
+          </a:fontRef>
+        </p:style>
+        <p:txBody>
+          <a:bodyPr rtlCol="0" anchor="ctr"/>
+          <a:lstStyle/>
+          <a:p>
+            <a:pPr algn="ctr"/>
+            <a:r>
+              <a:rPr lang="en-US" altLang="zh-CN" sz="800">
+                <a:solidFill>
+                  <a:schemeClr val="bg1"/>
+                </a:solidFill>
+              </a:rPr>
+              <a:t>GWMV2 ADAS Service(Presentation Control)</a:t>
+            </a:r>
+            <a:endParaRPr lang="zh-CN" altLang="en-US" sz="800" dirty="0">
+              <a:solidFill>
+                <a:schemeClr val="bg1"/>
+              </a:solidFill>
+            </a:endParaRPr>
+          </a:p>
+        </p:txBody>
+      </p:sp>
+      <p:sp>
+        <p:nvSpPr>
+          <p:cNvPr id="71" name="Rectangle 70"/>
+          <p:cNvSpPr/>
+          <p:nvPr/>
+        </p:nvSpPr>
+        <p:spPr>
+          <a:xfrm>
+            <a:off x="627673" y="1807376"/>
+            <a:ext cx="895859" cy="312703"/>
+          </a:xfrm>
+          <a:prstGeom prst="rect">
+            <a:avLst/>
+          </a:prstGeom>
+        </p:spPr>
+        <p:style>
+          <a:lnRef idx="1">
+            <a:schemeClr val="accent1"/>
+          </a:lnRef>
+          <a:fillRef idx="3">
+            <a:schemeClr val="accent1"/>
+          </a:fillRef>
+          <a:effectRef idx="2">
+            <a:schemeClr val="accent1"/>
+          </a:effectRef>
+          <a:fontRef idx="minor">
+            <a:schemeClr val="lt1"/>
+          </a:fontRef>
+        </p:style>
+        <p:txBody>
+          <a:bodyPr rtlCol="0" anchor="ctr"/>
+          <a:lstStyle/>
+          <a:p>
+            <a:pPr algn="ctr"/>
+            <a:r>
+              <a:rPr lang="en-US" altLang="zh-CN" sz="800" dirty="0" smtClean="0">
+                <a:solidFill>
+                  <a:schemeClr val="bg1"/>
+                </a:solidFill>
+              </a:rPr>
+              <a:t>IPC GWMv2</a:t>
+            </a:r>
+            <a:endParaRPr lang="zh-CN" altLang="en-US" sz="800" dirty="0">
+              <a:solidFill>
+                <a:schemeClr val="bg1"/>
+              </a:solidFill>
+            </a:endParaRPr>
+          </a:p>
+        </p:txBody>
+      </p:sp>
+      <p:sp>
+        <p:nvSpPr>
+          <p:cNvPr id="72" name="Rectangle 71"/>
+          <p:cNvSpPr/>
+          <p:nvPr/>
+        </p:nvSpPr>
+        <p:spPr>
+          <a:xfrm>
+            <a:off x="1552638" y="1799607"/>
+            <a:ext cx="967920" cy="321262"/>
+          </a:xfrm>
+          <a:prstGeom prst="rect">
+            <a:avLst/>
+          </a:prstGeom>
+        </p:spPr>
+        <p:style>
+          <a:lnRef idx="1">
+            <a:schemeClr val="accent1"/>
+          </a:lnRef>
+          <a:fillRef idx="3">
+            <a:schemeClr val="accent1"/>
+          </a:fillRef>
+          <a:effectRef idx="2">
+            <a:schemeClr val="accent1"/>
+          </a:effectRef>
+          <a:fontRef idx="minor">
+            <a:schemeClr val="lt1"/>
+          </a:fontRef>
+        </p:style>
+        <p:txBody>
+          <a:bodyPr rtlCol="0" anchor="ctr"/>
+          <a:lstStyle/>
+          <a:p>
+            <a:pPr algn="ctr"/>
+            <a:r>
+              <a:rPr lang="en-US" altLang="zh-CN" sz="800" dirty="0" smtClean="0">
+                <a:solidFill>
+                  <a:schemeClr val="bg1"/>
+                </a:solidFill>
+              </a:rPr>
+              <a:t>Message handler GWMv2</a:t>
+            </a:r>
+            <a:endParaRPr lang="zh-CN" altLang="en-US" sz="800" dirty="0">
+              <a:solidFill>
+                <a:schemeClr val="bg1"/>
+              </a:solidFill>
+            </a:endParaRPr>
+          </a:p>
+        </p:txBody>
+      </p:sp>
+      <p:sp>
+        <p:nvSpPr>
+          <p:cNvPr id="73" name="Rectangle 72"/>
+          <p:cNvSpPr/>
+          <p:nvPr/>
+        </p:nvSpPr>
+        <p:spPr>
+          <a:xfrm>
+            <a:off x="2565147" y="1807376"/>
+            <a:ext cx="967920" cy="312459"/>
+          </a:xfrm>
+          <a:prstGeom prst="rect">
+            <a:avLst/>
+          </a:prstGeom>
+        </p:spPr>
+        <p:style>
+          <a:lnRef idx="1">
+            <a:schemeClr val="accent1"/>
+          </a:lnRef>
+          <a:fillRef idx="3">
+            <a:schemeClr val="accent1"/>
+          </a:fillRef>
+          <a:effectRef idx="2">
+            <a:schemeClr val="accent1"/>
+          </a:effectRef>
+          <a:fontRef idx="minor">
+            <a:schemeClr val="lt1"/>
+          </a:fontRef>
+        </p:style>
+        <p:txBody>
+          <a:bodyPr rtlCol="0" anchor="ctr"/>
+          <a:lstStyle/>
+          <a:p>
+            <a:pPr algn="ctr"/>
+            <a:r>
+              <a:rPr lang="en-US" altLang="zh-CN" sz="800" dirty="0" smtClean="0">
+                <a:solidFill>
+                  <a:schemeClr val="bg1"/>
+                </a:solidFill>
+              </a:rPr>
+              <a:t>ADAS manager GWMv2</a:t>
+            </a:r>
+            <a:endParaRPr lang="zh-CN" altLang="en-US" sz="800" dirty="0">
+              <a:solidFill>
+                <a:schemeClr val="bg1"/>
+              </a:solidFill>
+            </a:endParaRPr>
+          </a:p>
+        </p:txBody>
+      </p:sp>
+      <p:sp>
+        <p:nvSpPr>
+          <p:cNvPr id="74" name="Rectangle 73"/>
+          <p:cNvSpPr/>
+          <p:nvPr/>
+        </p:nvSpPr>
+        <p:spPr>
+          <a:xfrm>
+            <a:off x="3577656" y="1817107"/>
+            <a:ext cx="967920" cy="312459"/>
+          </a:xfrm>
+          <a:prstGeom prst="rect">
+            <a:avLst/>
+          </a:prstGeom>
+        </p:spPr>
+        <p:style>
+          <a:lnRef idx="1">
+            <a:schemeClr val="accent1"/>
+          </a:lnRef>
+          <a:fillRef idx="3">
+            <a:schemeClr val="accent1"/>
+          </a:fillRef>
+          <a:effectRef idx="2">
+            <a:schemeClr val="accent1"/>
+          </a:effectRef>
+          <a:fontRef idx="minor">
+            <a:schemeClr val="lt1"/>
+          </a:fontRef>
+        </p:style>
+        <p:txBody>
+          <a:bodyPr rtlCol="0" anchor="ctr"/>
+          <a:lstStyle/>
+          <a:p>
+            <a:pPr algn="ctr"/>
+            <a:r>
+              <a:rPr lang="en-US" altLang="zh-CN" sz="800" dirty="0" smtClean="0">
+                <a:solidFill>
+                  <a:schemeClr val="bg1"/>
+                </a:solidFill>
+              </a:rPr>
+              <a:t>RVC/SVC</a:t>
+            </a:r>
+          </a:p>
+          <a:p>
+            <a:pPr algn="ctr"/>
+            <a:r>
+              <a:rPr lang="en-US" altLang="zh-CN" sz="800" dirty="0" smtClean="0">
+                <a:solidFill>
+                  <a:schemeClr val="bg1"/>
+                </a:solidFill>
+              </a:rPr>
+              <a:t>GWMv2</a:t>
+            </a:r>
+            <a:endParaRPr lang="zh-CN" altLang="en-US" sz="800" dirty="0">
+              <a:solidFill>
+                <a:schemeClr val="bg1"/>
+              </a:solidFill>
+            </a:endParaRPr>
+          </a:p>
+        </p:txBody>
+      </p:sp>
+      <p:sp>
+        <p:nvSpPr>
+          <p:cNvPr id="75" name="Rectangle 74"/>
+          <p:cNvSpPr/>
+          <p:nvPr/>
+        </p:nvSpPr>
+        <p:spPr>
+          <a:xfrm>
+            <a:off x="4590176" y="1817945"/>
+            <a:ext cx="967920" cy="312459"/>
+          </a:xfrm>
+          <a:prstGeom prst="rect">
+            <a:avLst/>
+          </a:prstGeom>
+        </p:spPr>
+        <p:style>
+          <a:lnRef idx="1">
+            <a:schemeClr val="accent1"/>
+          </a:lnRef>
+          <a:fillRef idx="3">
+            <a:schemeClr val="accent1"/>
+          </a:fillRef>
+          <a:effectRef idx="2">
+            <a:schemeClr val="accent1"/>
+          </a:effectRef>
+          <a:fontRef idx="minor">
+            <a:schemeClr val="lt1"/>
+          </a:fontRef>
+        </p:style>
+        <p:txBody>
+          <a:bodyPr rtlCol="0" anchor="ctr"/>
+          <a:lstStyle/>
+          <a:p>
+            <a:pPr algn="ctr"/>
+            <a:r>
+              <a:rPr lang="en-US" altLang="zh-CN" sz="800" dirty="0" smtClean="0">
+                <a:solidFill>
+                  <a:schemeClr val="bg1"/>
+                </a:solidFill>
+              </a:rPr>
+              <a:t>AVM/MOD</a:t>
+            </a:r>
+          </a:p>
+          <a:p>
+            <a:pPr algn="ctr"/>
+            <a:r>
+              <a:rPr lang="en-US" altLang="zh-CN" sz="800" dirty="0" smtClean="0">
+                <a:solidFill>
+                  <a:schemeClr val="bg1"/>
+                </a:solidFill>
+              </a:rPr>
+              <a:t>GWMv2</a:t>
+            </a:r>
+            <a:endParaRPr lang="zh-CN" altLang="en-US" sz="800" dirty="0">
+              <a:solidFill>
+                <a:schemeClr val="bg1"/>
+              </a:solidFill>
+            </a:endParaRPr>
+          </a:p>
+        </p:txBody>
+      </p:sp>
+      <p:sp>
+        <p:nvSpPr>
+          <p:cNvPr id="76" name="Rectangle 75"/>
+          <p:cNvSpPr/>
+          <p:nvPr/>
+        </p:nvSpPr>
+        <p:spPr>
+          <a:xfrm>
+            <a:off x="5587202" y="1811037"/>
+            <a:ext cx="967920" cy="312459"/>
+          </a:xfrm>
+          <a:prstGeom prst="rect">
+            <a:avLst/>
+          </a:prstGeom>
+        </p:spPr>
+        <p:style>
+          <a:lnRef idx="1">
+            <a:schemeClr val="accent1"/>
+          </a:lnRef>
+          <a:fillRef idx="3">
+            <a:schemeClr val="accent1"/>
+          </a:fillRef>
+          <a:effectRef idx="2">
+            <a:schemeClr val="accent1"/>
+          </a:effectRef>
+          <a:fontRef idx="minor">
+            <a:schemeClr val="lt1"/>
+          </a:fontRef>
+        </p:style>
+        <p:txBody>
+          <a:bodyPr rtlCol="0" anchor="ctr"/>
+          <a:lstStyle/>
+          <a:p>
+            <a:pPr algn="ctr"/>
+            <a:r>
+              <a:rPr lang="en-US" altLang="zh-CN" sz="800" dirty="0" smtClean="0">
+                <a:solidFill>
+                  <a:schemeClr val="bg1"/>
+                </a:solidFill>
+              </a:rPr>
+              <a:t>PDC</a:t>
+            </a:r>
+          </a:p>
+          <a:p>
+            <a:pPr algn="ctr"/>
+            <a:r>
+              <a:rPr lang="en-US" altLang="zh-CN" sz="800" dirty="0" smtClean="0">
+                <a:solidFill>
+                  <a:schemeClr val="bg1"/>
+                </a:solidFill>
+              </a:rPr>
+              <a:t>GWMv2</a:t>
+            </a:r>
+            <a:endParaRPr lang="zh-CN" altLang="en-US" sz="800" dirty="0">
+              <a:solidFill>
+                <a:schemeClr val="bg1"/>
+              </a:solidFill>
+            </a:endParaRPr>
+          </a:p>
+        </p:txBody>
+      </p:sp>
+      <p:sp>
+        <p:nvSpPr>
+          <p:cNvPr id="77" name="Rectangle 76"/>
+          <p:cNvSpPr/>
+          <p:nvPr/>
+        </p:nvSpPr>
+        <p:spPr>
+          <a:xfrm>
+            <a:off x="6587972" y="1813288"/>
+            <a:ext cx="967920" cy="312459"/>
+          </a:xfrm>
+          <a:prstGeom prst="rect">
+            <a:avLst/>
+          </a:prstGeom>
+        </p:spPr>
+        <p:style>
+          <a:lnRef idx="1">
+            <a:schemeClr val="accent1"/>
+          </a:lnRef>
+          <a:fillRef idx="3">
+            <a:schemeClr val="accent1"/>
+          </a:fillRef>
+          <a:effectRef idx="2">
+            <a:schemeClr val="accent1"/>
+          </a:effectRef>
+          <a:fontRef idx="minor">
+            <a:schemeClr val="lt1"/>
+          </a:fontRef>
+        </p:style>
+        <p:txBody>
+          <a:bodyPr rtlCol="0" anchor="ctr"/>
+          <a:lstStyle/>
+          <a:p>
+            <a:pPr algn="ctr"/>
+            <a:r>
+              <a:rPr lang="en-US" altLang="zh-CN" sz="800" dirty="0" smtClean="0">
+                <a:solidFill>
+                  <a:schemeClr val="bg1"/>
+                </a:solidFill>
+              </a:rPr>
+              <a:t>APA</a:t>
+            </a:r>
+          </a:p>
+          <a:p>
+            <a:pPr algn="ctr"/>
+            <a:r>
+              <a:rPr lang="en-US" altLang="zh-CN" sz="800" dirty="0" smtClean="0">
+                <a:solidFill>
+                  <a:schemeClr val="bg1"/>
+                </a:solidFill>
+              </a:rPr>
+              <a:t>GWMv2</a:t>
+            </a:r>
+            <a:endParaRPr lang="zh-CN" altLang="en-US" sz="800" dirty="0">
+              <a:solidFill>
+                <a:schemeClr val="bg1"/>
+              </a:solidFill>
+            </a:endParaRPr>
+          </a:p>
+        </p:txBody>
+      </p:sp>
+      <p:sp>
+        <p:nvSpPr>
+          <p:cNvPr id="78" name="Rectangle 77"/>
+          <p:cNvSpPr/>
+          <p:nvPr/>
+        </p:nvSpPr>
+        <p:spPr>
+          <a:xfrm>
+            <a:off x="7596737" y="1814719"/>
+            <a:ext cx="967920" cy="312459"/>
+          </a:xfrm>
+          <a:prstGeom prst="rect">
+            <a:avLst/>
+          </a:prstGeom>
+        </p:spPr>
+        <p:style>
+          <a:lnRef idx="1">
+            <a:schemeClr val="accent1"/>
+          </a:lnRef>
+          <a:fillRef idx="3">
+            <a:schemeClr val="accent1"/>
+          </a:fillRef>
+          <a:effectRef idx="2">
+            <a:schemeClr val="accent1"/>
+          </a:effectRef>
+          <a:fontRef idx="minor">
+            <a:schemeClr val="lt1"/>
+          </a:fontRef>
+        </p:style>
+        <p:txBody>
+          <a:bodyPr rtlCol="0" anchor="ctr"/>
+          <a:lstStyle/>
+          <a:p>
+            <a:pPr algn="ctr"/>
+            <a:r>
+              <a:rPr lang="en-US" altLang="zh-CN" sz="800" dirty="0" smtClean="0">
+                <a:solidFill>
+                  <a:schemeClr val="bg1"/>
+                </a:solidFill>
+              </a:rPr>
+              <a:t>Diagnosis</a:t>
+            </a:r>
+          </a:p>
+          <a:p>
+            <a:pPr algn="ctr"/>
+            <a:r>
+              <a:rPr lang="en-US" altLang="zh-CN" sz="800" dirty="0" smtClean="0">
+                <a:solidFill>
+                  <a:schemeClr val="bg1"/>
+                </a:solidFill>
+              </a:rPr>
+              <a:t>GWMv2</a:t>
+            </a:r>
+            <a:endParaRPr lang="zh-CN" altLang="en-US" sz="800" dirty="0">
+              <a:solidFill>
+                <a:schemeClr val="bg1"/>
+              </a:solidFill>
+            </a:endParaRPr>
+          </a:p>
+        </p:txBody>
+      </p:sp>
+      <p:sp>
+        <p:nvSpPr>
+          <p:cNvPr id="80" name="Rectangle 79"/>
+          <p:cNvSpPr/>
+          <p:nvPr/>
+        </p:nvSpPr>
+        <p:spPr>
+          <a:xfrm>
+            <a:off x="3948305" y="3859976"/>
+            <a:ext cx="580606" cy="443864"/>
+          </a:xfrm>
+          <a:prstGeom prst="rect">
+            <a:avLst/>
+          </a:prstGeom>
+        </p:spPr>
+        <p:style>
+          <a:lnRef idx="2">
+            <a:schemeClr val="accent1">
+              <a:shade val="50000"/>
+            </a:schemeClr>
+          </a:lnRef>
+          <a:fillRef idx="1">
+            <a:schemeClr val="accent1"/>
+          </a:fillRef>
+          <a:effectRef idx="0">
+            <a:schemeClr val="accent1"/>
+          </a:effectRef>
+          <a:fontRef idx="minor">
+            <a:schemeClr val="lt1"/>
+          </a:fontRef>
+        </p:style>
+        <p:txBody>
+          <a:bodyPr rtlCol="0" anchor="ctr"/>
+          <a:lstStyle/>
+          <a:p>
+            <a:pPr algn="ctr"/>
+            <a:r>
+              <a:rPr lang="en-US" altLang="zh-CN" sz="700" b="1" dirty="0" smtClean="0"/>
+              <a:t>Diagnosis</a:t>
+            </a:r>
+            <a:endParaRPr lang="zh-CN" altLang="en-US" sz="700" b="1" dirty="0"/>
           </a:p>
         </p:txBody>
       </p:sp>
@@ -20609,15 +21274,15 @@
 <file path=customXml/itemProps3.xml><?xml version="1.0" encoding="utf-8"?>
 <ds:datastoreItem xmlns:ds="http://schemas.openxmlformats.org/officeDocument/2006/customXml" ds:itemID="{76F7CE89-240D-405D-A12D-C95B54F43B60}">
   <ds:schemaRefs>
+    <ds:schemaRef ds:uri="http://purl.org/dc/elements/1.1/"/>
+    <ds:schemaRef ds:uri="http://www.w3.org/XML/1998/namespace"/>
+    <ds:schemaRef ds:uri="http://schemas.microsoft.com/office/2006/documentManagement/types"/>
+    <ds:schemaRef ds:uri="http://purl.org/dc/terms/"/>
+    <ds:schemaRef ds:uri="http://schemas.microsoft.com/office/infopath/2007/PartnerControls"/>
+    <ds:schemaRef ds:uri="http://schemas.microsoft.com/sharepoint/v3"/>
+    <ds:schemaRef ds:uri="http://schemas.openxmlformats.org/package/2006/metadata/core-properties"/>
+    <ds:schemaRef ds:uri="http://schemas.microsoft.com/office/2006/metadata/properties"/>
     <ds:schemaRef ds:uri="http://purl.org/dc/dcmitype/"/>
-    <ds:schemaRef ds:uri="http://schemas.microsoft.com/office/infopath/2007/PartnerControls"/>
-    <ds:schemaRef ds:uri="http://purl.org/dc/elements/1.1/"/>
-    <ds:schemaRef ds:uri="http://schemas.microsoft.com/office/2006/metadata/properties"/>
-    <ds:schemaRef ds:uri="http://schemas.microsoft.com/office/2006/documentManagement/types"/>
-    <ds:schemaRef ds:uri="http://schemas.microsoft.com/sharepoint/v3"/>
-    <ds:schemaRef ds:uri="http://purl.org/dc/terms/"/>
-    <ds:schemaRef ds:uri="http://schemas.openxmlformats.org/package/2006/metadata/core-properties"/>
-    <ds:schemaRef ds:uri="http://www.w3.org/XML/1998/namespace"/>
   </ds:schemaRefs>
 </ds:datastoreItem>
 </file>
--- a/000_Framework/init_slice.pptx
+++ b/000_Framework/init_slice.pptx
@@ -8242,13 +8242,13 @@
           <p:nvPr>
             <p:extLst>
               <p:ext uri="{D42A27DB-BD31-4B8C-83A1-F6EECF244321}">
-                <p14:modId xmlns:p14="http://schemas.microsoft.com/office/powerpoint/2010/main" val="21002093"/>
+                <p14:modId xmlns:p14="http://schemas.microsoft.com/office/powerpoint/2010/main" val="4025305655"/>
               </p:ext>
             </p:extLst>
           </p:nvPr>
         </p:nvGraphicFramePr>
         <p:xfrm>
-          <a:off x="113408" y="1547940"/>
+          <a:off x="113408" y="1611548"/>
           <a:ext cx="8928992" cy="4405446"/>
         </p:xfrm>
         <a:graphic>
@@ -8460,7 +8460,7 @@
         </p:nvSpPr>
         <p:spPr>
           <a:xfrm>
-            <a:off x="132080" y="6018602"/>
+            <a:off x="132080" y="6082210"/>
             <a:ext cx="8890000" cy="463478"/>
           </a:xfrm>
           <a:prstGeom prst="rect">
@@ -8508,7 +8508,7 @@
         </p:nvSpPr>
         <p:spPr>
           <a:xfrm>
-            <a:off x="209355" y="3831603"/>
+            <a:off x="209355" y="3895211"/>
             <a:ext cx="514603" cy="443864"/>
           </a:xfrm>
           <a:prstGeom prst="rect">
@@ -8558,7 +8558,7 @@
         </p:nvSpPr>
         <p:spPr>
           <a:xfrm>
-            <a:off x="182880" y="2872462"/>
+            <a:off x="182880" y="2936070"/>
             <a:ext cx="609307" cy="411480"/>
           </a:xfrm>
           <a:prstGeom prst="rect">
@@ -8608,7 +8608,7 @@
         </p:nvGrpSpPr>
         <p:grpSpPr>
           <a:xfrm>
-            <a:off x="857860" y="3343573"/>
+            <a:off x="857860" y="3407181"/>
             <a:ext cx="2237904" cy="495770"/>
             <a:chOff x="324301" y="4015473"/>
             <a:chExt cx="2160269" cy="341558"/>
@@ -8826,7 +8826,7 @@
         </p:nvSpPr>
         <p:spPr>
           <a:xfrm>
-            <a:off x="3415356" y="3346791"/>
+            <a:off x="3415356" y="3410399"/>
             <a:ext cx="480356" cy="443864"/>
           </a:xfrm>
           <a:prstGeom prst="rect">
@@ -8877,7 +8877,7 @@
         </p:nvSpPr>
         <p:spPr>
           <a:xfrm>
-            <a:off x="849966" y="3871914"/>
+            <a:off x="849966" y="3935522"/>
             <a:ext cx="514603" cy="443864"/>
           </a:xfrm>
           <a:prstGeom prst="rect">
@@ -8928,7 +8928,7 @@
         </p:nvSpPr>
         <p:spPr>
           <a:xfrm>
-            <a:off x="849966" y="4356736"/>
+            <a:off x="849966" y="4420344"/>
             <a:ext cx="514603" cy="443864"/>
           </a:xfrm>
           <a:prstGeom prst="rect">
@@ -8980,7 +8980,7 @@
         </p:nvSpPr>
         <p:spPr>
           <a:xfrm>
-            <a:off x="857626" y="2877916"/>
+            <a:off x="857626" y="2941524"/>
             <a:ext cx="3035383" cy="429495"/>
           </a:xfrm>
           <a:prstGeom prst="rect">
@@ -9024,7 +9024,7 @@
         </p:nvSpPr>
         <p:spPr>
           <a:xfrm>
-            <a:off x="1426215" y="3868725"/>
+            <a:off x="1426215" y="3932333"/>
             <a:ext cx="548514" cy="443864"/>
           </a:xfrm>
           <a:prstGeom prst="rect">
@@ -9076,7 +9076,7 @@
         </p:nvSpPr>
         <p:spPr>
           <a:xfrm>
-            <a:off x="1426155" y="4348785"/>
+            <a:off x="1426155" y="4412393"/>
             <a:ext cx="514603" cy="443864"/>
           </a:xfrm>
           <a:prstGeom prst="rect">
@@ -9128,7 +9128,7 @@
         </p:nvSpPr>
         <p:spPr>
           <a:xfrm>
-            <a:off x="858479" y="4842339"/>
+            <a:off x="858479" y="4905947"/>
             <a:ext cx="514603" cy="443864"/>
           </a:xfrm>
           <a:prstGeom prst="rect">
@@ -9186,7 +9186,7 @@
         </p:nvSpPr>
         <p:spPr>
           <a:xfrm>
-            <a:off x="1418261" y="4844085"/>
+            <a:off x="1418261" y="4907693"/>
             <a:ext cx="514603" cy="443864"/>
           </a:xfrm>
           <a:prstGeom prst="rect">
@@ -9237,7 +9237,7 @@
         </p:nvSpPr>
         <p:spPr>
           <a:xfrm>
-            <a:off x="4585754" y="2863216"/>
+            <a:off x="4585754" y="2926824"/>
             <a:ext cx="580606" cy="443864"/>
           </a:xfrm>
           <a:prstGeom prst="rect">
@@ -9281,7 +9281,7 @@
         </p:nvSpPr>
         <p:spPr>
           <a:xfrm>
-            <a:off x="4585754" y="3343276"/>
+            <a:off x="4585754" y="3406884"/>
             <a:ext cx="580606" cy="443864"/>
           </a:xfrm>
           <a:prstGeom prst="rect">
@@ -9325,7 +9325,7 @@
         </p:nvSpPr>
         <p:spPr>
           <a:xfrm>
-            <a:off x="202731" y="3328534"/>
+            <a:off x="202731" y="3392142"/>
             <a:ext cx="514603" cy="443864"/>
           </a:xfrm>
           <a:prstGeom prst="rect">
@@ -9376,7 +9376,7 @@
         </p:nvSpPr>
         <p:spPr>
           <a:xfrm>
-            <a:off x="217166" y="4322736"/>
+            <a:off x="217166" y="4386344"/>
             <a:ext cx="514622" cy="443864"/>
           </a:xfrm>
           <a:prstGeom prst="rect">
@@ -9426,7 +9426,7 @@
         </p:nvGrpSpPr>
         <p:grpSpPr>
           <a:xfrm>
-            <a:off x="5218214" y="2872740"/>
+            <a:off x="5218214" y="2936348"/>
             <a:ext cx="649186" cy="1394460"/>
             <a:chOff x="4212374" y="2895600"/>
             <a:chExt cx="649186" cy="1394460"/>
@@ -9587,7 +9587,7 @@
         </p:nvSpPr>
         <p:spPr>
           <a:xfrm>
-            <a:off x="175934" y="5556634"/>
+            <a:off x="175934" y="5620242"/>
             <a:ext cx="8869680" cy="381000"/>
           </a:xfrm>
           <a:prstGeom prst="rect">
@@ -9632,7 +9632,7 @@
         </p:nvGrpSpPr>
         <p:grpSpPr>
           <a:xfrm>
-            <a:off x="3939709" y="2870836"/>
+            <a:off x="3939709" y="2934444"/>
             <a:ext cx="580606" cy="923924"/>
             <a:chOff x="3602774" y="2878456"/>
             <a:chExt cx="580606" cy="923924"/>
@@ -9748,7 +9748,7 @@
         </p:nvSpPr>
         <p:spPr>
           <a:xfrm>
-            <a:off x="4578134" y="3838576"/>
+            <a:off x="4578134" y="3902184"/>
             <a:ext cx="580606" cy="443864"/>
           </a:xfrm>
           <a:prstGeom prst="rect">
@@ -9791,7 +9791,7 @@
         </p:nvGrpSpPr>
         <p:grpSpPr>
           <a:xfrm>
-            <a:off x="6203086" y="2421748"/>
+            <a:off x="6203086" y="2485356"/>
             <a:ext cx="733006" cy="1982527"/>
             <a:chOff x="5942114" y="2895600"/>
             <a:chExt cx="592934" cy="1982527"/>
@@ -10018,7 +10018,7 @@
         </p:nvSpPr>
         <p:spPr>
           <a:xfrm>
-            <a:off x="8167154" y="2886076"/>
+            <a:off x="8167154" y="2949684"/>
             <a:ext cx="809206" cy="443864"/>
           </a:xfrm>
           <a:prstGeom prst="rect">
@@ -10062,7 +10062,7 @@
         </p:nvSpPr>
         <p:spPr>
           <a:xfrm>
-            <a:off x="8159534" y="3396616"/>
+            <a:off x="8159534" y="3460224"/>
             <a:ext cx="809206" cy="443864"/>
           </a:xfrm>
           <a:prstGeom prst="rect">
@@ -10112,7 +10112,7 @@
         </p:nvSpPr>
         <p:spPr>
           <a:xfrm>
-            <a:off x="137160" y="2209800"/>
+            <a:off x="137160" y="2273408"/>
             <a:ext cx="967740" cy="230832"/>
           </a:xfrm>
           <a:prstGeom prst="rect">
@@ -10165,7 +10165,7 @@
         </p:nvSpPr>
         <p:spPr>
           <a:xfrm>
-            <a:off x="6057900" y="2194560"/>
+            <a:off x="6057900" y="2258168"/>
             <a:ext cx="967740" cy="230832"/>
           </a:xfrm>
           <a:prstGeom prst="rect">
@@ -10217,7 +10217,7 @@
         </p:nvSpPr>
         <p:spPr>
           <a:xfrm>
-            <a:off x="7071360" y="2202180"/>
+            <a:off x="7071360" y="2265788"/>
             <a:ext cx="1066800" cy="230832"/>
           </a:xfrm>
           <a:prstGeom prst="rect">
@@ -10269,7 +10269,7 @@
         </p:nvSpPr>
         <p:spPr>
           <a:xfrm>
-            <a:off x="8077200" y="2202180"/>
+            <a:off x="8077200" y="2265788"/>
             <a:ext cx="967740" cy="230832"/>
           </a:xfrm>
           <a:prstGeom prst="rect">
@@ -10321,7 +10321,7 @@
         </p:nvSpPr>
         <p:spPr>
           <a:xfrm>
-            <a:off x="6103700" y="4450322"/>
+            <a:off x="6103700" y="4513930"/>
             <a:ext cx="921939" cy="805358"/>
           </a:xfrm>
           <a:prstGeom prst="rect">
@@ -10398,7 +10398,7 @@
         </p:nvSpPr>
         <p:spPr>
           <a:xfrm>
-            <a:off x="142514" y="4813934"/>
+            <a:off x="142514" y="4877542"/>
             <a:ext cx="665555" cy="481965"/>
           </a:xfrm>
           <a:prstGeom prst="rect">
@@ -10453,7 +10453,7 @@
         </p:nvSpPr>
         <p:spPr>
           <a:xfrm>
-            <a:off x="8168309" y="3885869"/>
+            <a:off x="8168309" y="3949477"/>
             <a:ext cx="807720" cy="541020"/>
           </a:xfrm>
           <a:prstGeom prst="rect">
@@ -10504,7 +10504,7 @@
         </p:nvSpPr>
         <p:spPr>
           <a:xfrm>
-            <a:off x="6027420" y="3899240"/>
+            <a:off x="6027420" y="3962848"/>
             <a:ext cx="1089660" cy="1518284"/>
           </a:xfrm>
           <a:prstGeom prst="rect">
@@ -10551,7 +10551,7 @@
         </p:nvSpPr>
         <p:spPr>
           <a:xfrm>
-            <a:off x="2620245" y="3864689"/>
+            <a:off x="2620245" y="3928297"/>
             <a:ext cx="494123" cy="467128"/>
           </a:xfrm>
           <a:prstGeom prst="rect">
@@ -10599,7 +10599,7 @@
         </p:nvGrpSpPr>
         <p:grpSpPr>
           <a:xfrm>
-            <a:off x="7187979" y="2474380"/>
+            <a:off x="7187979" y="2537988"/>
             <a:ext cx="714834" cy="2785266"/>
             <a:chOff x="7171866" y="2446020"/>
             <a:chExt cx="714834" cy="2785266"/>
@@ -10952,7 +10952,7 @@
         </p:nvSpPr>
         <p:spPr>
           <a:xfrm>
-            <a:off x="7117080" y="2436496"/>
+            <a:off x="7117080" y="2500104"/>
             <a:ext cx="891540" cy="426720"/>
           </a:xfrm>
           <a:prstGeom prst="rect">
@@ -10999,7 +10999,7 @@
         </p:nvSpPr>
         <p:spPr>
           <a:xfrm>
-            <a:off x="2000292" y="3872511"/>
+            <a:off x="2000292" y="3936119"/>
             <a:ext cx="568430" cy="419747"/>
           </a:xfrm>
           <a:prstGeom prst="rect">
@@ -11054,7 +11054,7 @@
         </p:nvSpPr>
         <p:spPr>
           <a:xfrm>
-            <a:off x="3056200" y="3307080"/>
+            <a:off x="3056200" y="3370688"/>
             <a:ext cx="309198" cy="369332"/>
           </a:xfrm>
           <a:prstGeom prst="rect">
@@ -11092,7 +11092,7 @@
         </p:nvSpPr>
         <p:spPr>
           <a:xfrm>
-            <a:off x="3408472" y="3850900"/>
+            <a:off x="3408472" y="3914508"/>
             <a:ext cx="513206" cy="467128"/>
           </a:xfrm>
           <a:prstGeom prst="rect">
@@ -11147,7 +11147,7 @@
         </p:nvSpPr>
         <p:spPr>
           <a:xfrm>
-            <a:off x="7215527" y="3943991"/>
+            <a:off x="7215527" y="4007599"/>
             <a:ext cx="679666" cy="273755"/>
           </a:xfrm>
           <a:prstGeom prst="rect">
@@ -11191,7 +11191,7 @@
         </p:nvSpPr>
         <p:spPr>
           <a:xfrm>
-            <a:off x="7207244" y="5316628"/>
+            <a:off x="7207244" y="5380236"/>
             <a:ext cx="687617" cy="240005"/>
           </a:xfrm>
           <a:prstGeom prst="rect">
@@ -11235,7 +11235,7 @@
         </p:nvSpPr>
         <p:spPr>
           <a:xfrm>
-            <a:off x="118660" y="1483890"/>
+            <a:off x="118660" y="1547498"/>
             <a:ext cx="8902308" cy="673065"/>
           </a:xfrm>
           <a:prstGeom prst="roundRect">
@@ -11273,7 +11273,7 @@
         </p:nvSpPr>
         <p:spPr>
           <a:xfrm>
-            <a:off x="611100" y="1523810"/>
+            <a:off x="611100" y="1587418"/>
             <a:ext cx="7953557" cy="224361"/>
           </a:xfrm>
           <a:prstGeom prst="rect">
@@ -11323,7 +11323,7 @@
         </p:nvSpPr>
         <p:spPr>
           <a:xfrm>
-            <a:off x="627673" y="1807376"/>
+            <a:off x="627673" y="1870984"/>
             <a:ext cx="895859" cy="312703"/>
           </a:xfrm>
           <a:prstGeom prst="rect">
@@ -11373,7 +11373,7 @@
         </p:nvSpPr>
         <p:spPr>
           <a:xfrm>
-            <a:off x="1552638" y="1799607"/>
+            <a:off x="1552638" y="1863215"/>
             <a:ext cx="967920" cy="321262"/>
           </a:xfrm>
           <a:prstGeom prst="rect">
@@ -11423,7 +11423,7 @@
         </p:nvSpPr>
         <p:spPr>
           <a:xfrm>
-            <a:off x="2565147" y="1807376"/>
+            <a:off x="2565147" y="1870984"/>
             <a:ext cx="967920" cy="312459"/>
           </a:xfrm>
           <a:prstGeom prst="rect">
@@ -11473,7 +11473,7 @@
         </p:nvSpPr>
         <p:spPr>
           <a:xfrm>
-            <a:off x="3577656" y="1817107"/>
+            <a:off x="3577656" y="1880715"/>
             <a:ext cx="967920" cy="312459"/>
           </a:xfrm>
           <a:prstGeom prst="rect">
@@ -11534,7 +11534,7 @@
         </p:nvSpPr>
         <p:spPr>
           <a:xfrm>
-            <a:off x="4590176" y="1817945"/>
+            <a:off x="4590176" y="1881553"/>
             <a:ext cx="967920" cy="312459"/>
           </a:xfrm>
           <a:prstGeom prst="rect">
@@ -11595,7 +11595,7 @@
         </p:nvSpPr>
         <p:spPr>
           <a:xfrm>
-            <a:off x="5587202" y="1811037"/>
+            <a:off x="5587202" y="1874645"/>
             <a:ext cx="967920" cy="312459"/>
           </a:xfrm>
           <a:prstGeom prst="rect">
@@ -11656,7 +11656,7 @@
         </p:nvSpPr>
         <p:spPr>
           <a:xfrm>
-            <a:off x="6587972" y="1813288"/>
+            <a:off x="6587972" y="1876896"/>
             <a:ext cx="967920" cy="312459"/>
           </a:xfrm>
           <a:prstGeom prst="rect">
@@ -11717,7 +11717,7 @@
         </p:nvSpPr>
         <p:spPr>
           <a:xfrm>
-            <a:off x="7596737" y="1814719"/>
+            <a:off x="7596737" y="1878327"/>
             <a:ext cx="967920" cy="312459"/>
           </a:xfrm>
           <a:prstGeom prst="rect">
@@ -11778,7 +11778,7 @@
         </p:nvSpPr>
         <p:spPr>
           <a:xfrm>
-            <a:off x="3948305" y="3859976"/>
+            <a:off x="3948305" y="3923584"/>
             <a:ext cx="580606" cy="443864"/>
           </a:xfrm>
           <a:prstGeom prst="rect">
@@ -13041,6 +13041,167 @@
               <a:latin typeface="Gill Sans MT" panose="020B0502020104020203" pitchFamily="34" charset="0"/>
               <a:ea typeface="+mn-ea"/>
               <a:cs typeface="+mn-cs"/>
+            </a:endParaRPr>
+          </a:p>
+        </p:txBody>
+      </p:sp>
+      <p:sp>
+        <p:nvSpPr>
+          <p:cNvPr id="2" name="Rectangle 1"/>
+          <p:cNvSpPr/>
+          <p:nvPr/>
+        </p:nvSpPr>
+        <p:spPr>
+          <a:xfrm>
+            <a:off x="3440853" y="1703493"/>
+            <a:ext cx="5120641" cy="3087512"/>
+          </a:xfrm>
+          <a:prstGeom prst="rect">
+            <a:avLst/>
+          </a:prstGeom>
+        </p:spPr>
+        <p:txBody>
+          <a:bodyPr wrap="square">
+            <a:spAutoFit/>
+          </a:bodyPr>
+          <a:lstStyle/>
+          <a:p>
+            <a:pPr>
+              <a:lnSpc>
+                <a:spcPct val="115000"/>
+              </a:lnSpc>
+              <a:spcAft>
+                <a:spcPts val="1000"/>
+              </a:spcAft>
+            </a:pPr>
+            <a:r>
+              <a:rPr lang="en-GB" dirty="0">
+                <a:latin typeface="Calibri" panose="020F0502020204030204" pitchFamily="34" charset="0"/>
+                <a:ea typeface="Calibri" panose="020F0502020204030204" pitchFamily="34" charset="0"/>
+                <a:cs typeface="Times New Roman" panose="02020603050405020304" pitchFamily="18" charset="0"/>
+              </a:rPr>
+              <a:t>The purpose of ADAS Framework libs(four libs) is:</a:t>
+            </a:r>
+            <a:endParaRPr lang="en-US" dirty="0">
+              <a:latin typeface="Calibri" panose="020F0502020204030204" pitchFamily="34" charset="0"/>
+              <a:ea typeface="Calibri" panose="020F0502020204030204" pitchFamily="34" charset="0"/>
+              <a:cs typeface="Times New Roman" panose="02020603050405020304" pitchFamily="18" charset="0"/>
+            </a:endParaRPr>
+          </a:p>
+          <a:p>
+            <a:pPr marL="342900" lvl="0" indent="-342900">
+              <a:lnSpc>
+                <a:spcPct val="115000"/>
+              </a:lnSpc>
+              <a:spcAft>
+                <a:spcPts val="0"/>
+              </a:spcAft>
+              <a:buFont typeface="Symbol" panose="05050102010706020507" pitchFamily="18" charset="2"/>
+              <a:buChar char=""/>
+            </a:pPr>
+            <a:r>
+              <a:rPr lang="en-GB" dirty="0">
+                <a:latin typeface="Calibri" panose="020F0502020204030204" pitchFamily="34" charset="0"/>
+                <a:ea typeface="Calibri" panose="020F0502020204030204" pitchFamily="34" charset="0"/>
+                <a:cs typeface="Times New Roman" panose="02020603050405020304" pitchFamily="18" charset="0"/>
+              </a:rPr>
+              <a:t>Abase.so: provide baseline ADAS application including RVC, SVC, AVM, MOD, PDC, APA, etc…</a:t>
+            </a:r>
+            <a:endParaRPr lang="en-US" dirty="0">
+              <a:latin typeface="Calibri" panose="020F0502020204030204" pitchFamily="34" charset="0"/>
+              <a:ea typeface="Calibri" panose="020F0502020204030204" pitchFamily="34" charset="0"/>
+              <a:cs typeface="Times New Roman" panose="02020603050405020304" pitchFamily="18" charset="0"/>
+            </a:endParaRPr>
+          </a:p>
+          <a:p>
+            <a:pPr marL="342900" lvl="0" indent="-342900">
+              <a:lnSpc>
+                <a:spcPct val="115000"/>
+              </a:lnSpc>
+              <a:spcAft>
+                <a:spcPts val="0"/>
+              </a:spcAft>
+              <a:buFont typeface="Symbol" panose="05050102010706020507" pitchFamily="18" charset="2"/>
+              <a:buChar char=""/>
+            </a:pPr>
+            <a:r>
+              <a:rPr lang="en-GB" dirty="0">
+                <a:latin typeface="Calibri" panose="020F0502020204030204" pitchFamily="34" charset="0"/>
+                <a:ea typeface="Calibri" panose="020F0502020204030204" pitchFamily="34" charset="0"/>
+                <a:cs typeface="Times New Roman" panose="02020603050405020304" pitchFamily="18" charset="0"/>
+              </a:rPr>
+              <a:t>AGraphic.so: driver and graphic processing, including algorithm core for </a:t>
+            </a:r>
+            <a:r>
+              <a:rPr lang="en-GB" dirty="0" err="1">
+                <a:latin typeface="Calibri" panose="020F0502020204030204" pitchFamily="34" charset="0"/>
+                <a:ea typeface="Calibri" panose="020F0502020204030204" pitchFamily="34" charset="0"/>
+                <a:cs typeface="Times New Roman" panose="02020603050405020304" pitchFamily="18" charset="0"/>
+              </a:rPr>
+              <a:t>CoC</a:t>
+            </a:r>
+            <a:r>
+              <a:rPr lang="en-GB" dirty="0">
+                <a:latin typeface="Calibri" panose="020F0502020204030204" pitchFamily="34" charset="0"/>
+                <a:ea typeface="Calibri" panose="020F0502020204030204" pitchFamily="34" charset="0"/>
+                <a:cs typeface="Times New Roman" panose="02020603050405020304" pitchFamily="18" charset="0"/>
+              </a:rPr>
+              <a:t> team</a:t>
+            </a:r>
+            <a:endParaRPr lang="en-US" dirty="0">
+              <a:latin typeface="Calibri" panose="020F0502020204030204" pitchFamily="34" charset="0"/>
+              <a:ea typeface="Calibri" panose="020F0502020204030204" pitchFamily="34" charset="0"/>
+              <a:cs typeface="Times New Roman" panose="02020603050405020304" pitchFamily="18" charset="0"/>
+            </a:endParaRPr>
+          </a:p>
+          <a:p>
+            <a:pPr marL="342900" lvl="0" indent="-342900">
+              <a:lnSpc>
+                <a:spcPct val="115000"/>
+              </a:lnSpc>
+              <a:spcAft>
+                <a:spcPts val="0"/>
+              </a:spcAft>
+              <a:buFont typeface="Symbol" panose="05050102010706020507" pitchFamily="18" charset="2"/>
+              <a:buChar char=""/>
+            </a:pPr>
+            <a:r>
+              <a:rPr lang="en-GB" dirty="0">
+                <a:latin typeface="Calibri" panose="020F0502020204030204" pitchFamily="34" charset="0"/>
+                <a:ea typeface="Calibri" panose="020F0502020204030204" pitchFamily="34" charset="0"/>
+                <a:cs typeface="Times New Roman" panose="02020603050405020304" pitchFamily="18" charset="0"/>
+              </a:rPr>
+              <a:t>AFoundation.so: basic class and component to support application development</a:t>
+            </a:r>
+            <a:endParaRPr lang="en-US" dirty="0">
+              <a:latin typeface="Calibri" panose="020F0502020204030204" pitchFamily="34" charset="0"/>
+              <a:ea typeface="Calibri" panose="020F0502020204030204" pitchFamily="34" charset="0"/>
+              <a:cs typeface="Times New Roman" panose="02020603050405020304" pitchFamily="18" charset="0"/>
+            </a:endParaRPr>
+          </a:p>
+          <a:p>
+            <a:pPr marL="342900" lvl="0" indent="-342900">
+              <a:lnSpc>
+                <a:spcPct val="115000"/>
+              </a:lnSpc>
+              <a:spcAft>
+                <a:spcPts val="1000"/>
+              </a:spcAft>
+              <a:buFont typeface="Symbol" panose="05050102010706020507" pitchFamily="18" charset="2"/>
+              <a:buChar char=""/>
+            </a:pPr>
+            <a:r>
+              <a:rPr lang="en-GB" dirty="0">
+                <a:latin typeface="Calibri" panose="020F0502020204030204" pitchFamily="34" charset="0"/>
+                <a:ea typeface="Calibri" panose="020F0502020204030204" pitchFamily="34" charset="0"/>
+                <a:cs typeface="Times New Roman" panose="02020603050405020304" pitchFamily="18" charset="0"/>
+              </a:rPr>
+              <a:t>CaseCleint.so: dedicate to support development use case management</a:t>
+            </a:r>
+            <a:endParaRPr lang="en-US" dirty="0">
+              <a:latin typeface="Calibri" panose="020F0502020204030204" pitchFamily="34" charset="0"/>
+              <a:ea typeface="Calibri" panose="020F0502020204030204" pitchFamily="34" charset="0"/>
+              <a:cs typeface="Times New Roman" panose="02020603050405020304" pitchFamily="18" charset="0"/>
             </a:endParaRPr>
           </a:p>
         </p:txBody>
